--- a/Slav_Co._presentation.pptx
+++ b/Slav_Co._presentation.pptx
@@ -7,25 +7,26 @@
   <p:sldIdLst>
     <p:sldId id="256" r:id="rId2"/>
     <p:sldId id="257" r:id="rId3"/>
-    <p:sldId id="258" r:id="rId4"/>
-    <p:sldId id="259" r:id="rId5"/>
-    <p:sldId id="273" r:id="rId6"/>
-    <p:sldId id="274" r:id="rId7"/>
-    <p:sldId id="260" r:id="rId8"/>
-    <p:sldId id="275" r:id="rId9"/>
-    <p:sldId id="276" r:id="rId10"/>
-    <p:sldId id="261" r:id="rId11"/>
-    <p:sldId id="263" r:id="rId12"/>
-    <p:sldId id="262" r:id="rId13"/>
-    <p:sldId id="270" r:id="rId14"/>
-    <p:sldId id="271" r:id="rId15"/>
-    <p:sldId id="264" r:id="rId16"/>
-    <p:sldId id="265" r:id="rId17"/>
-    <p:sldId id="267" r:id="rId18"/>
-    <p:sldId id="266" r:id="rId19"/>
-    <p:sldId id="268" r:id="rId20"/>
-    <p:sldId id="269" r:id="rId21"/>
-    <p:sldId id="272" r:id="rId22"/>
+    <p:sldId id="277" r:id="rId4"/>
+    <p:sldId id="258" r:id="rId5"/>
+    <p:sldId id="259" r:id="rId6"/>
+    <p:sldId id="273" r:id="rId7"/>
+    <p:sldId id="274" r:id="rId8"/>
+    <p:sldId id="260" r:id="rId9"/>
+    <p:sldId id="275" r:id="rId10"/>
+    <p:sldId id="276" r:id="rId11"/>
+    <p:sldId id="261" r:id="rId12"/>
+    <p:sldId id="263" r:id="rId13"/>
+    <p:sldId id="262" r:id="rId14"/>
+    <p:sldId id="270" r:id="rId15"/>
+    <p:sldId id="271" r:id="rId16"/>
+    <p:sldId id="264" r:id="rId17"/>
+    <p:sldId id="265" r:id="rId18"/>
+    <p:sldId id="267" r:id="rId19"/>
+    <p:sldId id="266" r:id="rId20"/>
+    <p:sldId id="268" r:id="rId21"/>
+    <p:sldId id="269" r:id="rId22"/>
+    <p:sldId id="272" r:id="rId23"/>
   </p:sldIdLst>
   <p:sldSz cx="12192000" cy="6858000"/>
   <p:notesSz cx="6858000" cy="9144000"/>
@@ -3120,6 +3121,155 @@
           <a:lstStyle/>
           <a:p>
             <a:r>
+              <a:rPr lang="sr-Latn-BA" dirty="0">
+                <a:ln>
+                  <a:solidFill>
+                    <a:schemeClr val="tx1"/>
+                  </a:solidFill>
+                </a:ln>
+                <a:solidFill>
+                  <a:srgbClr val="7030A0"/>
+                </a:solidFill>
+                <a:effectLst>
+                  <a:glow rad="139700">
+                    <a:schemeClr val="accent3">
+                      <a:satMod val="175000"/>
+                      <a:alpha val="40000"/>
+                    </a:schemeClr>
+                  </a:glow>
+                </a:effectLst>
+              </a:rPr>
+              <a:t>Osnovni simboli</a:t>
+            </a:r>
+            <a:r>
+              <a:rPr lang="en-US" dirty="0">
+                <a:ln>
+                  <a:solidFill>
+                    <a:schemeClr val="tx1"/>
+                  </a:solidFill>
+                </a:ln>
+                <a:solidFill>
+                  <a:srgbClr val="7030A0"/>
+                </a:solidFill>
+                <a:effectLst>
+                  <a:glow rad="139700">
+                    <a:schemeClr val="accent3">
+                      <a:satMod val="175000"/>
+                      <a:alpha val="40000"/>
+                    </a:schemeClr>
+                  </a:glow>
+                </a:effectLst>
+              </a:rPr>
+              <a:t> – id:1-5</a:t>
+            </a:r>
+          </a:p>
+        </p:txBody>
+      </p:sp>
+      <p:pic>
+        <p:nvPicPr>
+          <p:cNvPr id="4" name="Picture 3"/>
+          <p:cNvPicPr>
+            <a:picLocks noChangeAspect="1"/>
+          </p:cNvPicPr>
+          <p:nvPr/>
+        </p:nvPicPr>
+        <p:blipFill>
+          <a:blip r:embed="rId2">
+            <a:extLst>
+              <a:ext uri="{28A0092B-C50C-407E-A947-70E740481C1C}">
+                <a14:useLocalDpi xmlns:a14="http://schemas.microsoft.com/office/drawing/2010/main" val="0"/>
+              </a:ext>
+            </a:extLst>
+          </a:blip>
+          <a:stretch>
+            <a:fillRect/>
+          </a:stretch>
+        </p:blipFill>
+        <p:spPr>
+          <a:xfrm>
+            <a:off x="616635" y="1854312"/>
+            <a:ext cx="2412698" cy="2412698"/>
+          </a:xfrm>
+          <a:prstGeom prst="rect">
+            <a:avLst/>
+          </a:prstGeom>
+        </p:spPr>
+      </p:pic>
+      <p:sp>
+        <p:nvSpPr>
+          <p:cNvPr id="6" name="TextBox 5"/>
+          <p:cNvSpPr txBox="1"/>
+          <p:nvPr/>
+        </p:nvSpPr>
+        <p:spPr>
+          <a:xfrm>
+            <a:off x="5005797" y="2768273"/>
+            <a:ext cx="2276585" cy="584775"/>
+          </a:xfrm>
+          <a:prstGeom prst="rect">
+            <a:avLst/>
+          </a:prstGeom>
+          <a:noFill/>
+        </p:spPr>
+        <p:txBody>
+          <a:bodyPr wrap="none" rtlCol="0">
+            <a:spAutoFit/>
+          </a:bodyPr>
+          <a:lstStyle/>
+          <a:p>
+            <a:r>
+              <a:rPr lang="en-US" sz="3200" dirty="0"/>
+              <a:t>ID 5 : Cookie</a:t>
+            </a:r>
+          </a:p>
+        </p:txBody>
+      </p:sp>
+    </p:spTree>
+    <p:extLst>
+      <p:ext uri="{BB962C8B-B14F-4D97-AF65-F5344CB8AC3E}">
+        <p14:creationId xmlns:p14="http://schemas.microsoft.com/office/powerpoint/2010/main" val="3429246440"/>
+      </p:ext>
+    </p:extLst>
+  </p:cSld>
+  <p:clrMapOvr>
+    <a:masterClrMapping/>
+  </p:clrMapOvr>
+</p:sld>
+</file>
+
+<file path=ppt/slides/slide11.xml><?xml version="1.0" encoding="utf-8"?>
+<p:sld xmlns:a="http://schemas.openxmlformats.org/drawingml/2006/main" xmlns:r="http://schemas.openxmlformats.org/officeDocument/2006/relationships" xmlns:p="http://schemas.openxmlformats.org/presentationml/2006/main">
+  <p:cSld>
+    <p:spTree>
+      <p:nvGrpSpPr>
+        <p:cNvPr id="1" name=""/>
+        <p:cNvGrpSpPr/>
+        <p:nvPr/>
+      </p:nvGrpSpPr>
+      <p:grpSpPr>
+        <a:xfrm>
+          <a:off x="0" y="0"/>
+          <a:ext cx="0" cy="0"/>
+          <a:chOff x="0" y="0"/>
+          <a:chExt cx="0" cy="0"/>
+        </a:xfrm>
+      </p:grpSpPr>
+      <p:sp>
+        <p:nvSpPr>
+          <p:cNvPr id="2" name="Title 1"/>
+          <p:cNvSpPr>
+            <a:spLocks noGrp="1"/>
+          </p:cNvSpPr>
+          <p:nvPr>
+            <p:ph type="title"/>
+          </p:nvPr>
+        </p:nvSpPr>
+        <p:spPr/>
+        <p:txBody>
+          <a:bodyPr/>
+          <a:lstStyle/>
+          <a:p>
+            <a:r>
               <a:rPr lang="sr-Latn-BA" dirty="0"/>
               <a:t>Specijalni simbol: JACKPOT</a:t>
             </a:r>
@@ -3398,7 +3548,7 @@
 </p:sld>
 </file>
 
-<file path=ppt/slides/slide11.xml><?xml version="1.0" encoding="utf-8"?>
+<file path=ppt/slides/slide12.xml><?xml version="1.0" encoding="utf-8"?>
 <p:sld xmlns:a="http://schemas.openxmlformats.org/drawingml/2006/main" xmlns:r="http://schemas.openxmlformats.org/officeDocument/2006/relationships" xmlns:p="http://schemas.openxmlformats.org/presentationml/2006/main">
   <p:cSld>
     <p:spTree>
@@ -3550,7 +3700,7 @@
 </p:sld>
 </file>
 
-<file path=ppt/slides/slide12.xml><?xml version="1.0" encoding="utf-8"?>
+<file path=ppt/slides/slide13.xml><?xml version="1.0" encoding="utf-8"?>
 <p:sld xmlns:a="http://schemas.openxmlformats.org/drawingml/2006/main" xmlns:r="http://schemas.openxmlformats.org/officeDocument/2006/relationships" xmlns:p="http://schemas.openxmlformats.org/presentationml/2006/main">
   <p:cSld>
     <p:spTree>
@@ -3665,7 +3815,7 @@
 </p:sld>
 </file>
 
-<file path=ppt/slides/slide13.xml><?xml version="1.0" encoding="utf-8"?>
+<file path=ppt/slides/slide14.xml><?xml version="1.0" encoding="utf-8"?>
 <p:sld xmlns:a="http://schemas.openxmlformats.org/drawingml/2006/main" xmlns:r="http://schemas.openxmlformats.org/officeDocument/2006/relationships" xmlns:p="http://schemas.openxmlformats.org/presentationml/2006/main">
   <p:cSld>
     <p:spTree>
@@ -3720,10 +3870,88 @@
           <a:bodyPr/>
           <a:lstStyle/>
           <a:p>
-            <a:endParaRPr lang="en-US"/>
+            <a:r>
+              <a:rPr lang="en-US" dirty="0" err="1"/>
+              <a:t>Pojavljuju</a:t>
+            </a:r>
+            <a:r>
+              <a:rPr lang="en-US" dirty="0"/>
+              <a:t> se </a:t>
+            </a:r>
+            <a:r>
+              <a:rPr lang="sr-Latn-RS" dirty="0"/>
+              <a:t>posle 3 đokera</a:t>
+            </a:r>
+          </a:p>
+          <a:p>
+            <a:r>
+              <a:rPr lang="sr-Latn-RS" dirty="0"/>
+              <a:t>Izvlači se kartica i dobija se </a:t>
+            </a:r>
+            <a:br>
+              <a:rPr lang="sr-Latn-RS" dirty="0"/>
+            </a:br>
+            <a:r>
+              <a:rPr lang="sr-Latn-RS" dirty="0"/>
+              <a:t>nasumična vrednost koju je igrač</a:t>
+            </a:r>
+            <a:br>
+              <a:rPr lang="sr-Latn-RS" dirty="0"/>
+            </a:br>
+            <a:r>
+              <a:rPr lang="sr-Latn-RS" dirty="0"/>
+              <a:t>izabrao</a:t>
+            </a:r>
           </a:p>
         </p:txBody>
       </p:sp>
+      <p:pic>
+        <p:nvPicPr>
+          <p:cNvPr id="1026" name="Picture 2" descr="Image">
+            <a:extLst>
+              <a:ext uri="{FF2B5EF4-FFF2-40B4-BE49-F238E27FC236}">
+                <a16:creationId xmlns:a16="http://schemas.microsoft.com/office/drawing/2014/main" id="{4A3B4F51-0166-4C19-B28B-D064E845F5F6}"/>
+              </a:ext>
+            </a:extLst>
+          </p:cNvPr>
+          <p:cNvPicPr>
+            <a:picLocks noChangeAspect="1" noChangeArrowheads="1"/>
+          </p:cNvPicPr>
+          <p:nvPr/>
+        </p:nvPicPr>
+        <p:blipFill>
+          <a:blip r:embed="rId2">
+            <a:extLst>
+              <a:ext uri="{28A0092B-C50C-407E-A947-70E740481C1C}">
+                <a14:useLocalDpi xmlns:a14="http://schemas.microsoft.com/office/drawing/2010/main" val="0"/>
+              </a:ext>
+            </a:extLst>
+          </a:blip>
+          <a:srcRect/>
+          <a:stretch>
+            <a:fillRect/>
+          </a:stretch>
+        </p:blipFill>
+        <p:spPr bwMode="auto">
+          <a:xfrm>
+            <a:off x="6615113" y="1825625"/>
+            <a:ext cx="4580417" cy="4262438"/>
+          </a:xfrm>
+          <a:prstGeom prst="rect">
+            <a:avLst/>
+          </a:prstGeom>
+          <a:noFill/>
+          <a:extLst>
+            <a:ext uri="{909E8E84-426E-40DD-AFC4-6F175D3DCCD1}">
+              <a14:hiddenFill xmlns:a14="http://schemas.microsoft.com/office/drawing/2010/main">
+                <a:solidFill>
+                  <a:srgbClr val="FFFFFF"/>
+                </a:solidFill>
+              </a14:hiddenFill>
+            </a:ext>
+          </a:extLst>
+        </p:spPr>
+      </p:pic>
     </p:spTree>
     <p:extLst>
       <p:ext uri="{BB962C8B-B14F-4D97-AF65-F5344CB8AC3E}">
@@ -3737,7 +3965,7 @@
 </p:sld>
 </file>
 
-<file path=ppt/slides/slide14.xml><?xml version="1.0" encoding="utf-8"?>
+<file path=ppt/slides/slide15.xml><?xml version="1.0" encoding="utf-8"?>
 <p:sld xmlns:a="http://schemas.openxmlformats.org/drawingml/2006/main" xmlns:r="http://schemas.openxmlformats.org/officeDocument/2006/relationships" xmlns:p="http://schemas.openxmlformats.org/presentationml/2006/main">
   <p:cSld>
     <p:spTree>
@@ -3824,7 +4052,7 @@
 </p:sld>
 </file>
 
-<file path=ppt/slides/slide15.xml><?xml version="1.0" encoding="utf-8"?>
+<file path=ppt/slides/slide16.xml><?xml version="1.0" encoding="utf-8"?>
 <p:sld xmlns:a="http://schemas.openxmlformats.org/drawingml/2006/main" xmlns:r="http://schemas.openxmlformats.org/officeDocument/2006/relationships" xmlns:p="http://schemas.openxmlformats.org/presentationml/2006/main">
   <p:cSld>
     <p:spTree>
@@ -10872,7 +11100,7 @@
 </p:sld>
 </file>
 
-<file path=ppt/slides/slide16.xml><?xml version="1.0" encoding="utf-8"?>
+<file path=ppt/slides/slide17.xml><?xml version="1.0" encoding="utf-8"?>
 <p:sld xmlns:a="http://schemas.openxmlformats.org/drawingml/2006/main" xmlns:r="http://schemas.openxmlformats.org/officeDocument/2006/relationships" xmlns:p="http://schemas.openxmlformats.org/presentationml/2006/main">
   <p:cSld>
     <p:spTree>
@@ -16335,7 +16563,7 @@
 </p:sld>
 </file>
 
-<file path=ppt/slides/slide17.xml><?xml version="1.0" encoding="utf-8"?>
+<file path=ppt/slides/slide18.xml><?xml version="1.0" encoding="utf-8"?>
 <p:sld xmlns:a="http://schemas.openxmlformats.org/drawingml/2006/main" xmlns:r="http://schemas.openxmlformats.org/officeDocument/2006/relationships" xmlns:p="http://schemas.openxmlformats.org/presentationml/2006/main">
   <p:cSld>
     <p:spTree>
@@ -17011,7 +17239,7 @@
 </p:sld>
 </file>
 
-<file path=ppt/slides/slide18.xml><?xml version="1.0" encoding="utf-8"?>
+<file path=ppt/slides/slide19.xml><?xml version="1.0" encoding="utf-8"?>
 <p:sld xmlns:a="http://schemas.openxmlformats.org/drawingml/2006/main" xmlns:r="http://schemas.openxmlformats.org/officeDocument/2006/relationships" xmlns:p="http://schemas.openxmlformats.org/presentationml/2006/main">
   <p:cSld>
     <p:spTree>
@@ -17097,1678 +17325,6 @@
     <p:extLst>
       <p:ext uri="{BB962C8B-B14F-4D97-AF65-F5344CB8AC3E}">
         <p14:creationId xmlns:p14="http://schemas.microsoft.com/office/powerpoint/2010/main" val="396747587"/>
-      </p:ext>
-    </p:extLst>
-  </p:cSld>
-  <p:clrMapOvr>
-    <a:masterClrMapping/>
-  </p:clrMapOvr>
-</p:sld>
-</file>
-
-<file path=ppt/slides/slide19.xml><?xml version="1.0" encoding="utf-8"?>
-<p:sld xmlns:a="http://schemas.openxmlformats.org/drawingml/2006/main" xmlns:r="http://schemas.openxmlformats.org/officeDocument/2006/relationships" xmlns:p="http://schemas.openxmlformats.org/presentationml/2006/main">
-  <p:cSld>
-    <p:spTree>
-      <p:nvGrpSpPr>
-        <p:cNvPr id="1" name=""/>
-        <p:cNvGrpSpPr/>
-        <p:nvPr/>
-      </p:nvGrpSpPr>
-      <p:grpSpPr>
-        <a:xfrm>
-          <a:off x="0" y="0"/>
-          <a:ext cx="0" cy="0"/>
-          <a:chOff x="0" y="0"/>
-          <a:chExt cx="0" cy="0"/>
-        </a:xfrm>
-      </p:grpSpPr>
-      <p:sp>
-        <p:nvSpPr>
-          <p:cNvPr id="2" name="Title 1"/>
-          <p:cNvSpPr>
-            <a:spLocks noGrp="1"/>
-          </p:cNvSpPr>
-          <p:nvPr>
-            <p:ph type="title"/>
-          </p:nvPr>
-        </p:nvSpPr>
-        <p:spPr/>
-        <p:txBody>
-          <a:bodyPr/>
-          <a:lstStyle/>
-          <a:p>
-            <a:r>
-              <a:rPr lang="sr-Latn-BA" dirty="0"/>
-              <a:t>Izracunavanje RTP-a pomoću simulacije</a:t>
-            </a:r>
-            <a:endParaRPr lang="en-US" dirty="0"/>
-          </a:p>
-        </p:txBody>
-      </p:sp>
-      <p:graphicFrame>
-        <p:nvGraphicFramePr>
-          <p:cNvPr id="4" name="Content Placeholder 3"/>
-          <p:cNvGraphicFramePr>
-            <a:graphicFrameLocks noGrp="1"/>
-          </p:cNvGraphicFramePr>
-          <p:nvPr>
-            <p:ph idx="1"/>
-            <p:extLst>
-              <p:ext uri="{D42A27DB-BD31-4B8C-83A1-F6EECF244321}">
-                <p14:modId xmlns:p14="http://schemas.microsoft.com/office/powerpoint/2010/main" val="3831748022"/>
-              </p:ext>
-            </p:extLst>
-          </p:nvPr>
-        </p:nvGraphicFramePr>
-        <p:xfrm>
-          <a:off x="581024" y="2521541"/>
-          <a:ext cx="11249027" cy="2707685"/>
-        </p:xfrm>
-        <a:graphic>
-          <a:graphicData uri="http://schemas.openxmlformats.org/drawingml/2006/table">
-            <a:tbl>
-              <a:tblPr firstRow="1" firstCol="1" bandRow="1">
-                <a:tableStyleId>{073A0DAA-6AF3-43AB-8588-CEC1D06C72B9}</a:tableStyleId>
-              </a:tblPr>
-              <a:tblGrid>
-                <a:gridCol w="1579254">
-                  <a:extLst>
-                    <a:ext uri="{9D8B030D-6E8A-4147-A177-3AD203B41FA5}">
-                      <a16:colId xmlns:a16="http://schemas.microsoft.com/office/drawing/2014/main" val="20000"/>
-                    </a:ext>
-                  </a:extLst>
-                </a:gridCol>
-                <a:gridCol w="928973">
-                  <a:extLst>
-                    <a:ext uri="{9D8B030D-6E8A-4147-A177-3AD203B41FA5}">
-                      <a16:colId xmlns:a16="http://schemas.microsoft.com/office/drawing/2014/main" val="20001"/>
-                    </a:ext>
-                  </a:extLst>
-                </a:gridCol>
-                <a:gridCol w="971200">
-                  <a:extLst>
-                    <a:ext uri="{9D8B030D-6E8A-4147-A177-3AD203B41FA5}">
-                      <a16:colId xmlns:a16="http://schemas.microsoft.com/office/drawing/2014/main" val="20002"/>
-                    </a:ext>
-                  </a:extLst>
-                </a:gridCol>
-                <a:gridCol w="971200">
-                  <a:extLst>
-                    <a:ext uri="{9D8B030D-6E8A-4147-A177-3AD203B41FA5}">
-                      <a16:colId xmlns:a16="http://schemas.microsoft.com/office/drawing/2014/main" val="20003"/>
-                    </a:ext>
-                  </a:extLst>
-                </a:gridCol>
-                <a:gridCol w="971200">
-                  <a:extLst>
-                    <a:ext uri="{9D8B030D-6E8A-4147-A177-3AD203B41FA5}">
-                      <a16:colId xmlns:a16="http://schemas.microsoft.com/office/drawing/2014/main" val="20004"/>
-                    </a:ext>
-                  </a:extLst>
-                </a:gridCol>
-                <a:gridCol w="971200">
-                  <a:extLst>
-                    <a:ext uri="{9D8B030D-6E8A-4147-A177-3AD203B41FA5}">
-                      <a16:colId xmlns:a16="http://schemas.microsoft.com/office/drawing/2014/main" val="20005"/>
-                    </a:ext>
-                  </a:extLst>
-                </a:gridCol>
-                <a:gridCol w="971200">
-                  <a:extLst>
-                    <a:ext uri="{9D8B030D-6E8A-4147-A177-3AD203B41FA5}">
-                      <a16:colId xmlns:a16="http://schemas.microsoft.com/office/drawing/2014/main" val="20006"/>
-                    </a:ext>
-                  </a:extLst>
-                </a:gridCol>
-                <a:gridCol w="971200">
-                  <a:extLst>
-                    <a:ext uri="{9D8B030D-6E8A-4147-A177-3AD203B41FA5}">
-                      <a16:colId xmlns:a16="http://schemas.microsoft.com/office/drawing/2014/main" val="20007"/>
-                    </a:ext>
-                  </a:extLst>
-                </a:gridCol>
-                <a:gridCol w="971200">
-                  <a:extLst>
-                    <a:ext uri="{9D8B030D-6E8A-4147-A177-3AD203B41FA5}">
-                      <a16:colId xmlns:a16="http://schemas.microsoft.com/office/drawing/2014/main" val="20008"/>
-                    </a:ext>
-                  </a:extLst>
-                </a:gridCol>
-                <a:gridCol w="971200">
-                  <a:extLst>
-                    <a:ext uri="{9D8B030D-6E8A-4147-A177-3AD203B41FA5}">
-                      <a16:colId xmlns:a16="http://schemas.microsoft.com/office/drawing/2014/main" val="20009"/>
-                    </a:ext>
-                  </a:extLst>
-                </a:gridCol>
-                <a:gridCol w="971200">
-                  <a:extLst>
-                    <a:ext uri="{9D8B030D-6E8A-4147-A177-3AD203B41FA5}">
-                      <a16:colId xmlns:a16="http://schemas.microsoft.com/office/drawing/2014/main" val="20010"/>
-                    </a:ext>
-                  </a:extLst>
-                </a:gridCol>
-              </a:tblGrid>
-              <a:tr h="371587">
-                <a:tc>
-                  <a:txBody>
-                    <a:bodyPr/>
-                    <a:lstStyle/>
-                    <a:p>
-                      <a:endParaRPr lang="en-US" dirty="0"/>
-                    </a:p>
-                  </a:txBody>
-                  <a:tcPr/>
-                </a:tc>
-                <a:tc>
-                  <a:txBody>
-                    <a:bodyPr/>
-                    <a:lstStyle/>
-                    <a:p>
-                      <a:r>
-                        <a:rPr lang="en-US" dirty="0"/>
-                        <a:t>1</a:t>
-                      </a:r>
-                    </a:p>
-                  </a:txBody>
-                  <a:tcPr/>
-                </a:tc>
-                <a:tc>
-                  <a:txBody>
-                    <a:bodyPr/>
-                    <a:lstStyle/>
-                    <a:p>
-                      <a:pPr marL="0" marR="0" indent="0" algn="l" defTabSz="914400" rtl="0" eaLnBrk="1" fontAlgn="auto" latinLnBrk="0" hangingPunct="1">
-                        <a:lnSpc>
-                          <a:spcPct val="100000"/>
-                        </a:lnSpc>
-                        <a:spcBef>
-                          <a:spcPts val="0"/>
-                        </a:spcBef>
-                        <a:spcAft>
-                          <a:spcPts val="0"/>
-                        </a:spcAft>
-                        <a:buClrTx/>
-                        <a:buSzTx/>
-                        <a:buFontTx/>
-                        <a:buNone/>
-                        <a:tabLst/>
-                        <a:defRPr/>
-                      </a:pPr>
-                      <a:r>
-                        <a:rPr lang="en-US" dirty="0"/>
-                        <a:t>2</a:t>
-                      </a:r>
-                    </a:p>
-                  </a:txBody>
-                  <a:tcPr/>
-                </a:tc>
-                <a:tc>
-                  <a:txBody>
-                    <a:bodyPr/>
-                    <a:lstStyle/>
-                    <a:p>
-                      <a:pPr marL="0" marR="0" indent="0" algn="l" defTabSz="914400" rtl="0" eaLnBrk="1" fontAlgn="auto" latinLnBrk="0" hangingPunct="1">
-                        <a:lnSpc>
-                          <a:spcPct val="100000"/>
-                        </a:lnSpc>
-                        <a:spcBef>
-                          <a:spcPts val="0"/>
-                        </a:spcBef>
-                        <a:spcAft>
-                          <a:spcPts val="0"/>
-                        </a:spcAft>
-                        <a:buClrTx/>
-                        <a:buSzTx/>
-                        <a:buFontTx/>
-                        <a:buNone/>
-                        <a:tabLst/>
-                        <a:defRPr/>
-                      </a:pPr>
-                      <a:r>
-                        <a:rPr lang="en-US" dirty="0"/>
-                        <a:t>3</a:t>
-                      </a:r>
-                    </a:p>
-                  </a:txBody>
-                  <a:tcPr/>
-                </a:tc>
-                <a:tc>
-                  <a:txBody>
-                    <a:bodyPr/>
-                    <a:lstStyle/>
-                    <a:p>
-                      <a:pPr marL="0" marR="0" indent="0" algn="l" defTabSz="914400" rtl="0" eaLnBrk="1" fontAlgn="auto" latinLnBrk="0" hangingPunct="1">
-                        <a:lnSpc>
-                          <a:spcPct val="100000"/>
-                        </a:lnSpc>
-                        <a:spcBef>
-                          <a:spcPts val="0"/>
-                        </a:spcBef>
-                        <a:spcAft>
-                          <a:spcPts val="0"/>
-                        </a:spcAft>
-                        <a:buClrTx/>
-                        <a:buSzTx/>
-                        <a:buFontTx/>
-                        <a:buNone/>
-                        <a:tabLst/>
-                        <a:defRPr/>
-                      </a:pPr>
-                      <a:r>
-                        <a:rPr lang="en-US" dirty="0"/>
-                        <a:t>4</a:t>
-                      </a:r>
-                    </a:p>
-                  </a:txBody>
-                  <a:tcPr/>
-                </a:tc>
-                <a:tc>
-                  <a:txBody>
-                    <a:bodyPr/>
-                    <a:lstStyle/>
-                    <a:p>
-                      <a:pPr marL="0" marR="0" indent="0" algn="l" defTabSz="914400" rtl="0" eaLnBrk="1" fontAlgn="auto" latinLnBrk="0" hangingPunct="1">
-                        <a:lnSpc>
-                          <a:spcPct val="100000"/>
-                        </a:lnSpc>
-                        <a:spcBef>
-                          <a:spcPts val="0"/>
-                        </a:spcBef>
-                        <a:spcAft>
-                          <a:spcPts val="0"/>
-                        </a:spcAft>
-                        <a:buClrTx/>
-                        <a:buSzTx/>
-                        <a:buFontTx/>
-                        <a:buNone/>
-                        <a:tabLst/>
-                        <a:defRPr/>
-                      </a:pPr>
-                      <a:r>
-                        <a:rPr lang="en-US" dirty="0"/>
-                        <a:t>5</a:t>
-                      </a:r>
-                    </a:p>
-                  </a:txBody>
-                  <a:tcPr/>
-                </a:tc>
-                <a:tc>
-                  <a:txBody>
-                    <a:bodyPr/>
-                    <a:lstStyle/>
-                    <a:p>
-                      <a:pPr marL="0" marR="0" indent="0" algn="l" defTabSz="914400" rtl="0" eaLnBrk="1" fontAlgn="auto" latinLnBrk="0" hangingPunct="1">
-                        <a:lnSpc>
-                          <a:spcPct val="100000"/>
-                        </a:lnSpc>
-                        <a:spcBef>
-                          <a:spcPts val="0"/>
-                        </a:spcBef>
-                        <a:spcAft>
-                          <a:spcPts val="0"/>
-                        </a:spcAft>
-                        <a:buClrTx/>
-                        <a:buSzTx/>
-                        <a:buFontTx/>
-                        <a:buNone/>
-                        <a:tabLst/>
-                        <a:defRPr/>
-                      </a:pPr>
-                      <a:r>
-                        <a:rPr lang="en-US" dirty="0"/>
-                        <a:t>6</a:t>
-                      </a:r>
-                    </a:p>
-                  </a:txBody>
-                  <a:tcPr/>
-                </a:tc>
-                <a:tc>
-                  <a:txBody>
-                    <a:bodyPr/>
-                    <a:lstStyle/>
-                    <a:p>
-                      <a:pPr marL="0" marR="0" indent="0" algn="l" defTabSz="914400" rtl="0" eaLnBrk="1" fontAlgn="auto" latinLnBrk="0" hangingPunct="1">
-                        <a:lnSpc>
-                          <a:spcPct val="100000"/>
-                        </a:lnSpc>
-                        <a:spcBef>
-                          <a:spcPts val="0"/>
-                        </a:spcBef>
-                        <a:spcAft>
-                          <a:spcPts val="0"/>
-                        </a:spcAft>
-                        <a:buClrTx/>
-                        <a:buSzTx/>
-                        <a:buFontTx/>
-                        <a:buNone/>
-                        <a:tabLst/>
-                        <a:defRPr/>
-                      </a:pPr>
-                      <a:r>
-                        <a:rPr lang="en-US" dirty="0"/>
-                        <a:t>7</a:t>
-                      </a:r>
-                    </a:p>
-                  </a:txBody>
-                  <a:tcPr/>
-                </a:tc>
-                <a:tc>
-                  <a:txBody>
-                    <a:bodyPr/>
-                    <a:lstStyle/>
-                    <a:p>
-                      <a:pPr marL="0" marR="0" indent="0" algn="l" defTabSz="914400" rtl="0" eaLnBrk="1" fontAlgn="auto" latinLnBrk="0" hangingPunct="1">
-                        <a:lnSpc>
-                          <a:spcPct val="100000"/>
-                        </a:lnSpc>
-                        <a:spcBef>
-                          <a:spcPts val="0"/>
-                        </a:spcBef>
-                        <a:spcAft>
-                          <a:spcPts val="0"/>
-                        </a:spcAft>
-                        <a:buClrTx/>
-                        <a:buSzTx/>
-                        <a:buFontTx/>
-                        <a:buNone/>
-                        <a:tabLst/>
-                        <a:defRPr/>
-                      </a:pPr>
-                      <a:r>
-                        <a:rPr lang="en-US" dirty="0"/>
-                        <a:t>8</a:t>
-                      </a:r>
-                    </a:p>
-                  </a:txBody>
-                  <a:tcPr/>
-                </a:tc>
-                <a:tc>
-                  <a:txBody>
-                    <a:bodyPr/>
-                    <a:lstStyle/>
-                    <a:p>
-                      <a:pPr marL="0" marR="0" indent="0" algn="l" defTabSz="914400" rtl="0" eaLnBrk="1" fontAlgn="auto" latinLnBrk="0" hangingPunct="1">
-                        <a:lnSpc>
-                          <a:spcPct val="100000"/>
-                        </a:lnSpc>
-                        <a:spcBef>
-                          <a:spcPts val="0"/>
-                        </a:spcBef>
-                        <a:spcAft>
-                          <a:spcPts val="0"/>
-                        </a:spcAft>
-                        <a:buClrTx/>
-                        <a:buSzTx/>
-                        <a:buFontTx/>
-                        <a:buNone/>
-                        <a:tabLst/>
-                        <a:defRPr/>
-                      </a:pPr>
-                      <a:r>
-                        <a:rPr lang="en-US" dirty="0"/>
-                        <a:t>9</a:t>
-                      </a:r>
-                    </a:p>
-                  </a:txBody>
-                  <a:tcPr/>
-                </a:tc>
-                <a:tc>
-                  <a:txBody>
-                    <a:bodyPr/>
-                    <a:lstStyle/>
-                    <a:p>
-                      <a:pPr marL="0" marR="0" indent="0" algn="l" defTabSz="914400" rtl="0" eaLnBrk="1" fontAlgn="auto" latinLnBrk="0" hangingPunct="1">
-                        <a:lnSpc>
-                          <a:spcPct val="100000"/>
-                        </a:lnSpc>
-                        <a:spcBef>
-                          <a:spcPts val="0"/>
-                        </a:spcBef>
-                        <a:spcAft>
-                          <a:spcPts val="0"/>
-                        </a:spcAft>
-                        <a:buClrTx/>
-                        <a:buSzTx/>
-                        <a:buFontTx/>
-                        <a:buNone/>
-                        <a:tabLst/>
-                        <a:defRPr/>
-                      </a:pPr>
-                      <a:r>
-                        <a:rPr lang="en-US" dirty="0"/>
-                        <a:t>10</a:t>
-                      </a:r>
-                    </a:p>
-                  </a:txBody>
-                  <a:tcPr/>
-                </a:tc>
-                <a:extLst>
-                  <a:ext uri="{0D108BD9-81ED-4DB2-BD59-A6C34878D82A}">
-                    <a16:rowId xmlns:a16="http://schemas.microsoft.com/office/drawing/2014/main" val="10000"/>
-                  </a:ext>
-                </a:extLst>
-              </a:tr>
-              <a:tr h="371587">
-                <a:tc>
-                  <a:txBody>
-                    <a:bodyPr/>
-                    <a:lstStyle/>
-                    <a:p>
-                      <a:r>
-                        <a:rPr lang="en-US" dirty="0"/>
-                        <a:t>i=1,000</a:t>
-                      </a:r>
-                    </a:p>
-                  </a:txBody>
-                  <a:tcPr/>
-                </a:tc>
-                <a:tc>
-                  <a:txBody>
-                    <a:bodyPr/>
-                    <a:lstStyle/>
-                    <a:p>
-                      <a:r>
-                        <a:rPr lang="en-US" sz="1800" kern="1200" dirty="0">
-                          <a:effectLst/>
-                        </a:rPr>
-                        <a:t>0.838</a:t>
-                      </a:r>
-                      <a:endParaRPr lang="en-US" dirty="0"/>
-                    </a:p>
-                  </a:txBody>
-                  <a:tcPr/>
-                </a:tc>
-                <a:tc>
-                  <a:txBody>
-                    <a:bodyPr/>
-                    <a:lstStyle/>
-                    <a:p>
-                      <a:r>
-                        <a:rPr lang="en-US" sz="1800" kern="1200" dirty="0">
-                          <a:effectLst/>
-                        </a:rPr>
-                        <a:t>0.7681</a:t>
-                      </a:r>
-                      <a:endParaRPr lang="en-US" dirty="0"/>
-                    </a:p>
-                  </a:txBody>
-                  <a:tcPr/>
-                </a:tc>
-                <a:tc>
-                  <a:txBody>
-                    <a:bodyPr/>
-                    <a:lstStyle/>
-                    <a:p>
-                      <a:r>
-                        <a:rPr lang="en-US" sz="1800" kern="1200" dirty="0">
-                          <a:effectLst/>
-                        </a:rPr>
-                        <a:t>0.901</a:t>
-                      </a:r>
-                      <a:endParaRPr lang="en-US" dirty="0"/>
-                    </a:p>
-                  </a:txBody>
-                  <a:tcPr/>
-                </a:tc>
-                <a:tc>
-                  <a:txBody>
-                    <a:bodyPr/>
-                    <a:lstStyle/>
-                    <a:p>
-                      <a:r>
-                        <a:rPr lang="en-US" sz="1800" kern="1200" dirty="0">
-                          <a:effectLst/>
-                        </a:rPr>
-                        <a:t>1.0131</a:t>
-                      </a:r>
-                      <a:endParaRPr lang="en-US" dirty="0"/>
-                    </a:p>
-                  </a:txBody>
-                  <a:tcPr/>
-                </a:tc>
-                <a:tc>
-                  <a:txBody>
-                    <a:bodyPr/>
-                    <a:lstStyle/>
-                    <a:p>
-                      <a:r>
-                        <a:rPr lang="en-US" sz="1800" kern="1200" dirty="0">
-                          <a:effectLst/>
-                        </a:rPr>
-                        <a:t>0.666</a:t>
-                      </a:r>
-                      <a:endParaRPr lang="en-US" dirty="0"/>
-                    </a:p>
-                  </a:txBody>
-                  <a:tcPr/>
-                </a:tc>
-                <a:tc>
-                  <a:txBody>
-                    <a:bodyPr/>
-                    <a:lstStyle/>
-                    <a:p>
-                      <a:r>
-                        <a:rPr lang="en-US" sz="1800" kern="1200" dirty="0">
-                          <a:effectLst/>
-                        </a:rPr>
-                        <a:t>0.826</a:t>
-                      </a:r>
-                      <a:endParaRPr lang="en-US" dirty="0"/>
-                    </a:p>
-                  </a:txBody>
-                  <a:tcPr/>
-                </a:tc>
-                <a:tc>
-                  <a:txBody>
-                    <a:bodyPr/>
-                    <a:lstStyle/>
-                    <a:p>
-                      <a:r>
-                        <a:rPr lang="en-US" sz="1800" kern="1200" dirty="0">
-                          <a:effectLst/>
-                        </a:rPr>
-                        <a:t>1.0792</a:t>
-                      </a:r>
-                      <a:endParaRPr lang="en-US" dirty="0"/>
-                    </a:p>
-                  </a:txBody>
-                  <a:tcPr/>
-                </a:tc>
-                <a:tc>
-                  <a:txBody>
-                    <a:bodyPr/>
-                    <a:lstStyle/>
-                    <a:p>
-                      <a:r>
-                        <a:rPr lang="en-US" sz="1800" kern="1200" dirty="0">
-                          <a:effectLst/>
-                        </a:rPr>
-                        <a:t>0.9741</a:t>
-                      </a:r>
-                      <a:endParaRPr lang="en-US" dirty="0"/>
-                    </a:p>
-                  </a:txBody>
-                  <a:tcPr/>
-                </a:tc>
-                <a:tc>
-                  <a:txBody>
-                    <a:bodyPr/>
-                    <a:lstStyle/>
-                    <a:p>
-                      <a:r>
-                        <a:rPr lang="en-US" sz="1800" kern="1200" dirty="0">
-                          <a:effectLst/>
-                        </a:rPr>
-                        <a:t>1.0131</a:t>
-                      </a:r>
-                      <a:endParaRPr lang="en-US" dirty="0"/>
-                    </a:p>
-                  </a:txBody>
-                  <a:tcPr/>
-                </a:tc>
-                <a:tc>
-                  <a:txBody>
-                    <a:bodyPr/>
-                    <a:lstStyle/>
-                    <a:p>
-                      <a:r>
-                        <a:rPr lang="en-US" sz="1800" kern="1200" dirty="0">
-                          <a:effectLst/>
-                        </a:rPr>
-                        <a:t>0.8832</a:t>
-                      </a:r>
-                      <a:endParaRPr lang="en-US" dirty="0"/>
-                    </a:p>
-                  </a:txBody>
-                  <a:tcPr/>
-                </a:tc>
-                <a:extLst>
-                  <a:ext uri="{0D108BD9-81ED-4DB2-BD59-A6C34878D82A}">
-                    <a16:rowId xmlns:a16="http://schemas.microsoft.com/office/drawing/2014/main" val="10001"/>
-                  </a:ext>
-                </a:extLst>
-              </a:tr>
-              <a:tr h="371587">
-                <a:tc>
-                  <a:txBody>
-                    <a:bodyPr/>
-                    <a:lstStyle/>
-                    <a:p>
-                      <a:r>
-                        <a:rPr lang="en-US" dirty="0"/>
-                        <a:t>i=10,000</a:t>
-                      </a:r>
-                    </a:p>
-                  </a:txBody>
-                  <a:tcPr/>
-                </a:tc>
-                <a:tc>
-                  <a:txBody>
-                    <a:bodyPr/>
-                    <a:lstStyle/>
-                    <a:p>
-                      <a:r>
-                        <a:rPr lang="en-US" sz="1800" kern="1200" dirty="0">
-                          <a:effectLst/>
-                        </a:rPr>
-                        <a:t>0.8956</a:t>
-                      </a:r>
-                      <a:endParaRPr lang="en-US" dirty="0"/>
-                    </a:p>
-                  </a:txBody>
-                  <a:tcPr/>
-                </a:tc>
-                <a:tc>
-                  <a:txBody>
-                    <a:bodyPr/>
-                    <a:lstStyle/>
-                    <a:p>
-                      <a:r>
-                        <a:rPr lang="en-US" sz="1800" kern="1200" dirty="0">
-                          <a:effectLst/>
-                        </a:rPr>
-                        <a:t>0.8750</a:t>
-                      </a:r>
-                      <a:endParaRPr lang="en-US" dirty="0"/>
-                    </a:p>
-                  </a:txBody>
-                  <a:tcPr/>
-                </a:tc>
-                <a:tc>
-                  <a:txBody>
-                    <a:bodyPr/>
-                    <a:lstStyle/>
-                    <a:p>
-                      <a:r>
-                        <a:rPr lang="en-US" sz="1800" kern="1200" dirty="0">
-                          <a:effectLst/>
-                        </a:rPr>
-                        <a:t>0.9014</a:t>
-                      </a:r>
-                      <a:endParaRPr lang="en-US" dirty="0"/>
-                    </a:p>
-                  </a:txBody>
-                  <a:tcPr/>
-                </a:tc>
-                <a:tc>
-                  <a:txBody>
-                    <a:bodyPr/>
-                    <a:lstStyle/>
-                    <a:p>
-                      <a:r>
-                        <a:rPr lang="en-US" sz="1800" kern="1200" dirty="0">
-                          <a:effectLst/>
-                        </a:rPr>
-                        <a:t>0.8998</a:t>
-                      </a:r>
-                      <a:endParaRPr lang="en-US" dirty="0"/>
-                    </a:p>
-                  </a:txBody>
-                  <a:tcPr/>
-                </a:tc>
-                <a:tc>
-                  <a:txBody>
-                    <a:bodyPr/>
-                    <a:lstStyle/>
-                    <a:p>
-                      <a:r>
-                        <a:rPr lang="en-US" sz="1800" kern="1200" dirty="0">
-                          <a:effectLst/>
-                        </a:rPr>
-                        <a:t>0.8703</a:t>
-                      </a:r>
-                      <a:endParaRPr lang="en-US" dirty="0"/>
-                    </a:p>
-                  </a:txBody>
-                  <a:tcPr/>
-                </a:tc>
-                <a:tc>
-                  <a:txBody>
-                    <a:bodyPr/>
-                    <a:lstStyle/>
-                    <a:p>
-                      <a:r>
-                        <a:rPr lang="en-US" sz="1800" kern="1200" dirty="0">
-                          <a:effectLst/>
-                        </a:rPr>
-                        <a:t>0.8981</a:t>
-                      </a:r>
-                      <a:endParaRPr lang="en-US" dirty="0"/>
-                    </a:p>
-                  </a:txBody>
-                  <a:tcPr/>
-                </a:tc>
-                <a:tc>
-                  <a:txBody>
-                    <a:bodyPr/>
-                    <a:lstStyle/>
-                    <a:p>
-                      <a:r>
-                        <a:rPr lang="en-US" sz="1800" kern="1200" dirty="0">
-                          <a:effectLst/>
-                        </a:rPr>
-                        <a:t>0.9139</a:t>
-                      </a:r>
-                      <a:endParaRPr lang="en-US" dirty="0"/>
-                    </a:p>
-                  </a:txBody>
-                  <a:tcPr/>
-                </a:tc>
-                <a:tc>
-                  <a:txBody>
-                    <a:bodyPr/>
-                    <a:lstStyle/>
-                    <a:p>
-                      <a:r>
-                        <a:rPr lang="en-US" sz="1800" kern="1200" dirty="0">
-                          <a:effectLst/>
-                        </a:rPr>
-                        <a:t>0.9854</a:t>
-                      </a:r>
-                      <a:endParaRPr lang="en-US" dirty="0"/>
-                    </a:p>
-                  </a:txBody>
-                  <a:tcPr/>
-                </a:tc>
-                <a:tc>
-                  <a:txBody>
-                    <a:bodyPr/>
-                    <a:lstStyle/>
-                    <a:p>
-                      <a:r>
-                        <a:rPr lang="en-US" sz="1800" kern="1200" dirty="0">
-                          <a:effectLst/>
-                        </a:rPr>
-                        <a:t>0.8578 </a:t>
-                      </a:r>
-                      <a:endParaRPr lang="en-US" dirty="0"/>
-                    </a:p>
-                  </a:txBody>
-                  <a:tcPr/>
-                </a:tc>
-                <a:tc>
-                  <a:txBody>
-                    <a:bodyPr/>
-                    <a:lstStyle/>
-                    <a:p>
-                      <a:r>
-                        <a:rPr lang="en-US" sz="1800" kern="1200" dirty="0">
-                          <a:effectLst/>
-                        </a:rPr>
-                        <a:t>0.9595</a:t>
-                      </a:r>
-                      <a:endParaRPr lang="en-US" dirty="0"/>
-                    </a:p>
-                  </a:txBody>
-                  <a:tcPr/>
-                </a:tc>
-                <a:extLst>
-                  <a:ext uri="{0D108BD9-81ED-4DB2-BD59-A6C34878D82A}">
-                    <a16:rowId xmlns:a16="http://schemas.microsoft.com/office/drawing/2014/main" val="10002"/>
-                  </a:ext>
-                </a:extLst>
-              </a:tr>
-              <a:tr h="371587">
-                <a:tc>
-                  <a:txBody>
-                    <a:bodyPr/>
-                    <a:lstStyle/>
-                    <a:p>
-                      <a:pPr marL="0" marR="0" indent="0" algn="l" defTabSz="914400" rtl="0" eaLnBrk="1" fontAlgn="auto" latinLnBrk="0" hangingPunct="1">
-                        <a:lnSpc>
-                          <a:spcPct val="100000"/>
-                        </a:lnSpc>
-                        <a:spcBef>
-                          <a:spcPts val="0"/>
-                        </a:spcBef>
-                        <a:spcAft>
-                          <a:spcPts val="0"/>
-                        </a:spcAft>
-                        <a:buClrTx/>
-                        <a:buSzTx/>
-                        <a:buFontTx/>
-                        <a:buNone/>
-                        <a:tabLst/>
-                        <a:defRPr/>
-                      </a:pPr>
-                      <a:r>
-                        <a:rPr lang="en-US" dirty="0"/>
-                        <a:t>i=100,000</a:t>
-                      </a:r>
-                    </a:p>
-                  </a:txBody>
-                  <a:tcPr/>
-                </a:tc>
-                <a:tc>
-                  <a:txBody>
-                    <a:bodyPr/>
-                    <a:lstStyle/>
-                    <a:p>
-                      <a:r>
-                        <a:rPr lang="en-US" sz="1800" kern="1200" dirty="0">
-                          <a:effectLst/>
-                        </a:rPr>
-                        <a:t>0.9164</a:t>
-                      </a:r>
-                      <a:endParaRPr lang="en-US" dirty="0"/>
-                    </a:p>
-                  </a:txBody>
-                  <a:tcPr/>
-                </a:tc>
-                <a:tc>
-                  <a:txBody>
-                    <a:bodyPr/>
-                    <a:lstStyle/>
-                    <a:p>
-                      <a:r>
-                        <a:rPr lang="en-US" sz="1800" kern="1200" dirty="0">
-                          <a:effectLst/>
-                        </a:rPr>
-                        <a:t>0.9013</a:t>
-                      </a:r>
-                      <a:endParaRPr lang="en-US" dirty="0"/>
-                    </a:p>
-                  </a:txBody>
-                  <a:tcPr/>
-                </a:tc>
-                <a:tc>
-                  <a:txBody>
-                    <a:bodyPr/>
-                    <a:lstStyle/>
-                    <a:p>
-                      <a:r>
-                        <a:rPr lang="en-US" sz="1800" kern="1200" dirty="0">
-                          <a:effectLst/>
-                        </a:rPr>
-                        <a:t>0.8972</a:t>
-                      </a:r>
-                      <a:endParaRPr lang="en-US" dirty="0"/>
-                    </a:p>
-                  </a:txBody>
-                  <a:tcPr/>
-                </a:tc>
-                <a:tc>
-                  <a:txBody>
-                    <a:bodyPr/>
-                    <a:lstStyle/>
-                    <a:p>
-                      <a:r>
-                        <a:rPr lang="en-US" sz="1800" kern="1200" dirty="0">
-                          <a:effectLst/>
-                        </a:rPr>
-                        <a:t>0.9137</a:t>
-                      </a:r>
-                      <a:endParaRPr lang="en-US" dirty="0"/>
-                    </a:p>
-                  </a:txBody>
-                  <a:tcPr/>
-                </a:tc>
-                <a:tc>
-                  <a:txBody>
-                    <a:bodyPr/>
-                    <a:lstStyle/>
-                    <a:p>
-                      <a:r>
-                        <a:rPr lang="en-US" sz="1800" kern="1200" dirty="0">
-                          <a:effectLst/>
-                        </a:rPr>
-                        <a:t>0.8964</a:t>
-                      </a:r>
-                      <a:endParaRPr lang="en-US" dirty="0"/>
-                    </a:p>
-                  </a:txBody>
-                  <a:tcPr/>
-                </a:tc>
-                <a:tc>
-                  <a:txBody>
-                    <a:bodyPr/>
-                    <a:lstStyle/>
-                    <a:p>
-                      <a:r>
-                        <a:rPr lang="en-US" sz="1800" kern="1200" dirty="0">
-                          <a:effectLst/>
-                        </a:rPr>
-                        <a:t>0.8903</a:t>
-                      </a:r>
-                      <a:endParaRPr lang="en-US" dirty="0"/>
-                    </a:p>
-                  </a:txBody>
-                  <a:tcPr/>
-                </a:tc>
-                <a:tc>
-                  <a:txBody>
-                    <a:bodyPr/>
-                    <a:lstStyle/>
-                    <a:p>
-                      <a:r>
-                        <a:rPr lang="en-US" sz="1800" kern="1200" dirty="0">
-                          <a:effectLst/>
-                        </a:rPr>
-                        <a:t>0.8841</a:t>
-                      </a:r>
-                      <a:endParaRPr lang="en-US" dirty="0"/>
-                    </a:p>
-                  </a:txBody>
-                  <a:tcPr/>
-                </a:tc>
-                <a:tc>
-                  <a:txBody>
-                    <a:bodyPr/>
-                    <a:lstStyle/>
-                    <a:p>
-                      <a:r>
-                        <a:rPr lang="en-US" sz="1800" kern="1200" dirty="0">
-                          <a:effectLst/>
-                        </a:rPr>
-                        <a:t>0.9232</a:t>
-                      </a:r>
-                      <a:endParaRPr lang="en-US" dirty="0"/>
-                    </a:p>
-                  </a:txBody>
-                  <a:tcPr/>
-                </a:tc>
-                <a:tc>
-                  <a:txBody>
-                    <a:bodyPr/>
-                    <a:lstStyle/>
-                    <a:p>
-                      <a:r>
-                        <a:rPr lang="en-US" sz="1800" kern="1200" dirty="0">
-                          <a:effectLst/>
-                        </a:rPr>
-                        <a:t>0.8947</a:t>
-                      </a:r>
-                      <a:endParaRPr lang="en-US" dirty="0"/>
-                    </a:p>
-                  </a:txBody>
-                  <a:tcPr/>
-                </a:tc>
-                <a:tc>
-                  <a:txBody>
-                    <a:bodyPr/>
-                    <a:lstStyle/>
-                    <a:p>
-                      <a:r>
-                        <a:rPr lang="en-US" sz="1800" kern="1200" dirty="0">
-                          <a:effectLst/>
-                        </a:rPr>
-                        <a:t>0.9265</a:t>
-                      </a:r>
-                      <a:endParaRPr lang="en-US" dirty="0"/>
-                    </a:p>
-                  </a:txBody>
-                  <a:tcPr/>
-                </a:tc>
-                <a:extLst>
-                  <a:ext uri="{0D108BD9-81ED-4DB2-BD59-A6C34878D82A}">
-                    <a16:rowId xmlns:a16="http://schemas.microsoft.com/office/drawing/2014/main" val="10003"/>
-                  </a:ext>
-                </a:extLst>
-              </a:tr>
-              <a:tr h="371587">
-                <a:tc>
-                  <a:txBody>
-                    <a:bodyPr/>
-                    <a:lstStyle/>
-                    <a:p>
-                      <a:pPr marL="0" marR="0" indent="0" algn="l" defTabSz="914400" rtl="0" eaLnBrk="1" fontAlgn="auto" latinLnBrk="0" hangingPunct="1">
-                        <a:lnSpc>
-                          <a:spcPct val="100000"/>
-                        </a:lnSpc>
-                        <a:spcBef>
-                          <a:spcPts val="0"/>
-                        </a:spcBef>
-                        <a:spcAft>
-                          <a:spcPts val="0"/>
-                        </a:spcAft>
-                        <a:buClrTx/>
-                        <a:buSzTx/>
-                        <a:buFontTx/>
-                        <a:buNone/>
-                        <a:tabLst/>
-                        <a:defRPr/>
-                      </a:pPr>
-                      <a:r>
-                        <a:rPr lang="en-US" dirty="0" err="1"/>
-                        <a:t>i</a:t>
-                      </a:r>
-                      <a:r>
-                        <a:rPr lang="en-US" dirty="0"/>
-                        <a:t>=100,000</a:t>
-                      </a:r>
-                    </a:p>
-                  </a:txBody>
-                  <a:tcPr/>
-                </a:tc>
-                <a:tc>
-                  <a:txBody>
-                    <a:bodyPr/>
-                    <a:lstStyle/>
-                    <a:p>
-                      <a:r>
-                        <a:rPr lang="en-US" sz="1800" kern="1200" dirty="0">
-                          <a:effectLst/>
-                        </a:rPr>
-                        <a:t>0.9140</a:t>
-                      </a:r>
-                      <a:endParaRPr lang="en-US" dirty="0"/>
-                    </a:p>
-                  </a:txBody>
-                  <a:tcPr/>
-                </a:tc>
-                <a:tc>
-                  <a:txBody>
-                    <a:bodyPr/>
-                    <a:lstStyle/>
-                    <a:p>
-                      <a:r>
-                        <a:rPr lang="en-US" sz="1800" kern="1200" dirty="0">
-                          <a:effectLst/>
-                        </a:rPr>
-                        <a:t>0.9118</a:t>
-                      </a:r>
-                      <a:endParaRPr lang="en-US" dirty="0"/>
-                    </a:p>
-                  </a:txBody>
-                  <a:tcPr/>
-                </a:tc>
-                <a:tc>
-                  <a:txBody>
-                    <a:bodyPr/>
-                    <a:lstStyle/>
-                    <a:p>
-                      <a:r>
-                        <a:rPr lang="en-US" sz="1800" kern="1200" dirty="0">
-                          <a:effectLst/>
-                        </a:rPr>
-                        <a:t>0.9257</a:t>
-                      </a:r>
-                      <a:endParaRPr lang="en-US" dirty="0"/>
-                    </a:p>
-                  </a:txBody>
-                  <a:tcPr/>
-                </a:tc>
-                <a:tc>
-                  <a:txBody>
-                    <a:bodyPr/>
-                    <a:lstStyle/>
-                    <a:p>
-                      <a:r>
-                        <a:rPr lang="en-US" sz="1800" kern="1200" dirty="0">
-                          <a:effectLst/>
-                        </a:rPr>
-                        <a:t>0.9182</a:t>
-                      </a:r>
-                      <a:endParaRPr lang="en-US" dirty="0"/>
-                    </a:p>
-                  </a:txBody>
-                  <a:tcPr/>
-                </a:tc>
-                <a:tc>
-                  <a:txBody>
-                    <a:bodyPr/>
-                    <a:lstStyle/>
-                    <a:p>
-                      <a:r>
-                        <a:rPr lang="en-US" sz="1800" kern="1200" dirty="0">
-                          <a:effectLst/>
-                        </a:rPr>
-                        <a:t>0.9151</a:t>
-                      </a:r>
-                      <a:endParaRPr lang="en-US" dirty="0"/>
-                    </a:p>
-                  </a:txBody>
-                  <a:tcPr/>
-                </a:tc>
-                <a:tc>
-                  <a:txBody>
-                    <a:bodyPr/>
-                    <a:lstStyle/>
-                    <a:p>
-                      <a:r>
-                        <a:rPr lang="en-US" sz="1800" kern="1200" dirty="0">
-                          <a:effectLst/>
-                        </a:rPr>
-                        <a:t>0.9115</a:t>
-                      </a:r>
-                      <a:endParaRPr lang="en-US" dirty="0"/>
-                    </a:p>
-                  </a:txBody>
-                  <a:tcPr/>
-                </a:tc>
-                <a:tc>
-                  <a:txBody>
-                    <a:bodyPr/>
-                    <a:lstStyle/>
-                    <a:p>
-                      <a:r>
-                        <a:rPr lang="en-US" sz="1800" kern="1200" dirty="0">
-                          <a:effectLst/>
-                        </a:rPr>
-                        <a:t>0.9089</a:t>
-                      </a:r>
-                      <a:endParaRPr lang="en-US" dirty="0"/>
-                    </a:p>
-                  </a:txBody>
-                  <a:tcPr/>
-                </a:tc>
-                <a:tc>
-                  <a:txBody>
-                    <a:bodyPr/>
-                    <a:lstStyle/>
-                    <a:p>
-                      <a:r>
-                        <a:rPr lang="en-US" sz="1800" kern="1200" dirty="0">
-                          <a:effectLst/>
-                        </a:rPr>
-                        <a:t>0.9132</a:t>
-                      </a:r>
-                      <a:endParaRPr lang="en-US" dirty="0"/>
-                    </a:p>
-                  </a:txBody>
-                  <a:tcPr/>
-                </a:tc>
-                <a:tc>
-                  <a:txBody>
-                    <a:bodyPr/>
-                    <a:lstStyle/>
-                    <a:p>
-                      <a:r>
-                        <a:rPr lang="en-US" sz="1800" kern="1200" dirty="0">
-                          <a:effectLst/>
-                        </a:rPr>
-                        <a:t>0.9117</a:t>
-                      </a:r>
-                      <a:endParaRPr lang="en-US" dirty="0"/>
-                    </a:p>
-                  </a:txBody>
-                  <a:tcPr/>
-                </a:tc>
-                <a:tc>
-                  <a:txBody>
-                    <a:bodyPr/>
-                    <a:lstStyle/>
-                    <a:p>
-                      <a:r>
-                        <a:rPr lang="en-US" sz="1800" kern="1200" dirty="0">
-                          <a:effectLst/>
-                        </a:rPr>
-                        <a:t>0.9081</a:t>
-                      </a:r>
-                      <a:endParaRPr lang="en-US" dirty="0"/>
-                    </a:p>
-                  </a:txBody>
-                  <a:tcPr/>
-                </a:tc>
-                <a:extLst>
-                  <a:ext uri="{0D108BD9-81ED-4DB2-BD59-A6C34878D82A}">
-                    <a16:rowId xmlns:a16="http://schemas.microsoft.com/office/drawing/2014/main" val="10004"/>
-                  </a:ext>
-                </a:extLst>
-              </a:tr>
-              <a:tr h="371587">
-                <a:tc>
-                  <a:txBody>
-                    <a:bodyPr/>
-                    <a:lstStyle/>
-                    <a:p>
-                      <a:pPr marL="0" marR="0" indent="0" algn="l" defTabSz="914400" rtl="0" eaLnBrk="1" fontAlgn="auto" latinLnBrk="0" hangingPunct="1">
-                        <a:lnSpc>
-                          <a:spcPct val="100000"/>
-                        </a:lnSpc>
-                        <a:spcBef>
-                          <a:spcPts val="0"/>
-                        </a:spcBef>
-                        <a:spcAft>
-                          <a:spcPts val="0"/>
-                        </a:spcAft>
-                        <a:buClrTx/>
-                        <a:buSzTx/>
-                        <a:buFontTx/>
-                        <a:buNone/>
-                        <a:tabLst/>
-                        <a:defRPr/>
-                      </a:pPr>
-                      <a:r>
-                        <a:rPr lang="en-US" dirty="0" err="1"/>
-                        <a:t>i</a:t>
-                      </a:r>
-                      <a:r>
-                        <a:rPr lang="en-US" dirty="0"/>
-                        <a:t>=1,000,000</a:t>
-                      </a:r>
-                    </a:p>
-                  </a:txBody>
-                  <a:tcPr/>
-                </a:tc>
-                <a:tc>
-                  <a:txBody>
-                    <a:bodyPr/>
-                    <a:lstStyle/>
-                    <a:p>
-                      <a:r>
-                        <a:rPr lang="en-US" sz="1800" kern="1200" dirty="0">
-                          <a:effectLst/>
-                        </a:rPr>
-                        <a:t>0.9119</a:t>
-                      </a:r>
-                      <a:endParaRPr lang="en-US" dirty="0"/>
-                    </a:p>
-                  </a:txBody>
-                  <a:tcPr/>
-                </a:tc>
-                <a:tc>
-                  <a:txBody>
-                    <a:bodyPr/>
-                    <a:lstStyle/>
-                    <a:p>
-                      <a:r>
-                        <a:rPr lang="en-US" sz="1800" kern="1200" dirty="0">
-                          <a:effectLst/>
-                        </a:rPr>
-                        <a:t>0.9087</a:t>
-                      </a:r>
-                      <a:endParaRPr lang="en-US" dirty="0"/>
-                    </a:p>
-                  </a:txBody>
-                  <a:tcPr/>
-                </a:tc>
-                <a:tc>
-                  <a:txBody>
-                    <a:bodyPr/>
-                    <a:lstStyle/>
-                    <a:p>
-                      <a:r>
-                        <a:rPr lang="en-US" sz="1800" kern="1200" dirty="0">
-                          <a:effectLst/>
-                        </a:rPr>
-                        <a:t>0.9131</a:t>
-                      </a:r>
-                      <a:endParaRPr lang="en-US" dirty="0"/>
-                    </a:p>
-                  </a:txBody>
-                  <a:tcPr/>
-                </a:tc>
-                <a:tc>
-                  <a:txBody>
-                    <a:bodyPr/>
-                    <a:lstStyle/>
-                    <a:p>
-                      <a:r>
-                        <a:rPr lang="en-US" sz="1800" kern="1200" dirty="0">
-                          <a:effectLst/>
-                        </a:rPr>
-                        <a:t>0.9119</a:t>
-                      </a:r>
-                      <a:endParaRPr lang="en-US" dirty="0"/>
-                    </a:p>
-                  </a:txBody>
-                  <a:tcPr/>
-                </a:tc>
-                <a:tc>
-                  <a:txBody>
-                    <a:bodyPr/>
-                    <a:lstStyle/>
-                    <a:p>
-                      <a:r>
-                        <a:rPr lang="en-US" sz="1800" kern="1200" dirty="0">
-                          <a:effectLst/>
-                        </a:rPr>
-                        <a:t>0.9104</a:t>
-                      </a:r>
-                      <a:endParaRPr lang="en-US" dirty="0"/>
-                    </a:p>
-                  </a:txBody>
-                  <a:tcPr/>
-                </a:tc>
-                <a:tc>
-                  <a:txBody>
-                    <a:bodyPr/>
-                    <a:lstStyle/>
-                    <a:p>
-                      <a:r>
-                        <a:rPr lang="en-US" sz="1800" kern="1200" dirty="0">
-                          <a:effectLst/>
-                        </a:rPr>
-                        <a:t>0.9113</a:t>
-                      </a:r>
-                      <a:endParaRPr lang="en-US" dirty="0"/>
-                    </a:p>
-                  </a:txBody>
-                  <a:tcPr/>
-                </a:tc>
-                <a:tc>
-                  <a:txBody>
-                    <a:bodyPr/>
-                    <a:lstStyle/>
-                    <a:p>
-                      <a:r>
-                        <a:rPr lang="en-US" sz="1800" kern="1200" dirty="0">
-                          <a:effectLst/>
-                        </a:rPr>
-                        <a:t>0.9132</a:t>
-                      </a:r>
-                      <a:endParaRPr lang="en-US" dirty="0"/>
-                    </a:p>
-                  </a:txBody>
-                  <a:tcPr/>
-                </a:tc>
-                <a:tc>
-                  <a:txBody>
-                    <a:bodyPr/>
-                    <a:lstStyle/>
-                    <a:p>
-                      <a:r>
-                        <a:rPr lang="en-US" sz="1800" kern="1200" dirty="0">
-                          <a:effectLst/>
-                        </a:rPr>
-                        <a:t>0.9102</a:t>
-                      </a:r>
-                      <a:endParaRPr lang="en-US" dirty="0"/>
-                    </a:p>
-                  </a:txBody>
-                  <a:tcPr/>
-                </a:tc>
-                <a:tc>
-                  <a:txBody>
-                    <a:bodyPr/>
-                    <a:lstStyle/>
-                    <a:p>
-                      <a:r>
-                        <a:rPr lang="en-US" sz="1800" kern="1200" dirty="0">
-                          <a:effectLst/>
-                        </a:rPr>
-                        <a:t>0.9135</a:t>
-                      </a:r>
-                      <a:endParaRPr lang="en-US" dirty="0"/>
-                    </a:p>
-                  </a:txBody>
-                  <a:tcPr/>
-                </a:tc>
-                <a:tc>
-                  <a:txBody>
-                    <a:bodyPr/>
-                    <a:lstStyle/>
-                    <a:p>
-                      <a:r>
-                        <a:rPr lang="en-US" sz="1800" kern="1200" dirty="0">
-                          <a:effectLst/>
-                        </a:rPr>
-                        <a:t>0.9121</a:t>
-                      </a:r>
-                      <a:endParaRPr lang="en-US" dirty="0"/>
-                    </a:p>
-                  </a:txBody>
-                  <a:tcPr/>
-                </a:tc>
-                <a:extLst>
-                  <a:ext uri="{0D108BD9-81ED-4DB2-BD59-A6C34878D82A}">
-                    <a16:rowId xmlns:a16="http://schemas.microsoft.com/office/drawing/2014/main" val="10005"/>
-                  </a:ext>
-                </a:extLst>
-              </a:tr>
-              <a:tr h="478163">
-                <a:tc>
-                  <a:txBody>
-                    <a:bodyPr/>
-                    <a:lstStyle/>
-                    <a:p>
-                      <a:pPr marL="0" marR="0" lvl="0" indent="0" algn="l" defTabSz="914400" rtl="0" eaLnBrk="1" fontAlgn="auto" latinLnBrk="0" hangingPunct="1">
-                        <a:lnSpc>
-                          <a:spcPct val="100000"/>
-                        </a:lnSpc>
-                        <a:spcBef>
-                          <a:spcPts val="0"/>
-                        </a:spcBef>
-                        <a:spcAft>
-                          <a:spcPts val="0"/>
-                        </a:spcAft>
-                        <a:buClrTx/>
-                        <a:buSzTx/>
-                        <a:buFontTx/>
-                        <a:buNone/>
-                        <a:tabLst/>
-                        <a:defRPr/>
-                      </a:pPr>
-                      <a:r>
-                        <a:rPr lang="en-US" dirty="0" err="1"/>
-                        <a:t>i</a:t>
-                      </a:r>
-                      <a:r>
-                        <a:rPr lang="en-US" dirty="0"/>
-                        <a:t>=10,000,000</a:t>
-                      </a:r>
-                    </a:p>
-                  </a:txBody>
-                  <a:tcPr/>
-                </a:tc>
-                <a:tc>
-                  <a:txBody>
-                    <a:bodyPr/>
-                    <a:lstStyle/>
-                    <a:p>
-                      <a:r>
-                        <a:rPr lang="en-US" dirty="0"/>
-                        <a:t>0.9119</a:t>
-                      </a:r>
-                    </a:p>
-                  </a:txBody>
-                  <a:tcPr/>
-                </a:tc>
-                <a:tc>
-                  <a:txBody>
-                    <a:bodyPr/>
-                    <a:lstStyle/>
-                    <a:p>
-                      <a:r>
-                        <a:rPr lang="en-US" sz="1800" b="0" i="0" kern="1200" dirty="0">
-                          <a:solidFill>
-                            <a:schemeClr val="dk1"/>
-                          </a:solidFill>
-                          <a:effectLst/>
-                          <a:latin typeface="+mn-lt"/>
-                          <a:ea typeface="+mn-ea"/>
-                          <a:cs typeface="+mn-cs"/>
-                        </a:rPr>
-                        <a:t>0.9088</a:t>
-                      </a:r>
-                      <a:endParaRPr lang="en-US" dirty="0"/>
-                    </a:p>
-                  </a:txBody>
-                  <a:tcPr/>
-                </a:tc>
-                <a:tc>
-                  <a:txBody>
-                    <a:bodyPr/>
-                    <a:lstStyle/>
-                    <a:p>
-                      <a:r>
-                        <a:rPr lang="en-US" sz="1800" b="0" i="0" kern="1200" dirty="0">
-                          <a:solidFill>
-                            <a:schemeClr val="dk1"/>
-                          </a:solidFill>
-                          <a:effectLst/>
-                          <a:latin typeface="+mn-lt"/>
-                          <a:ea typeface="+mn-ea"/>
-                          <a:cs typeface="+mn-cs"/>
-                        </a:rPr>
-                        <a:t>0.9132</a:t>
-                      </a:r>
-                      <a:endParaRPr lang="en-US" dirty="0"/>
-                    </a:p>
-                  </a:txBody>
-                  <a:tcPr/>
-                </a:tc>
-                <a:tc>
-                  <a:txBody>
-                    <a:bodyPr/>
-                    <a:lstStyle/>
-                    <a:p>
-                      <a:r>
-                        <a:rPr lang="en-US" sz="1800" b="0" i="0" kern="1200" dirty="0">
-                          <a:solidFill>
-                            <a:schemeClr val="dk1"/>
-                          </a:solidFill>
-                          <a:effectLst/>
-                          <a:latin typeface="+mn-lt"/>
-                          <a:ea typeface="+mn-ea"/>
-                          <a:cs typeface="+mn-cs"/>
-                        </a:rPr>
-                        <a:t>0.9119</a:t>
-                      </a:r>
-                      <a:endParaRPr lang="en-US" dirty="0"/>
-                    </a:p>
-                  </a:txBody>
-                  <a:tcPr/>
-                </a:tc>
-                <a:tc>
-                  <a:txBody>
-                    <a:bodyPr/>
-                    <a:lstStyle/>
-                    <a:p>
-                      <a:r>
-                        <a:rPr lang="en-US" sz="1800" b="0" i="0" kern="1200" dirty="0">
-                          <a:solidFill>
-                            <a:schemeClr val="dk1"/>
-                          </a:solidFill>
-                          <a:effectLst/>
-                          <a:latin typeface="+mn-lt"/>
-                          <a:ea typeface="+mn-ea"/>
-                          <a:cs typeface="+mn-cs"/>
-                        </a:rPr>
-                        <a:t>0.9105</a:t>
-                      </a:r>
-                      <a:endParaRPr lang="en-US" dirty="0"/>
-                    </a:p>
-                  </a:txBody>
-                  <a:tcPr/>
-                </a:tc>
-                <a:tc>
-                  <a:txBody>
-                    <a:bodyPr/>
-                    <a:lstStyle/>
-                    <a:p>
-                      <a:r>
-                        <a:rPr lang="en-US" sz="1800" b="0" i="0" kern="1200" dirty="0">
-                          <a:solidFill>
-                            <a:schemeClr val="dk1"/>
-                          </a:solidFill>
-                          <a:effectLst/>
-                          <a:latin typeface="+mn-lt"/>
-                          <a:ea typeface="+mn-ea"/>
-                          <a:cs typeface="+mn-cs"/>
-                        </a:rPr>
-                        <a:t>0.9113</a:t>
-                      </a:r>
-                      <a:endParaRPr lang="en-US" dirty="0"/>
-                    </a:p>
-                  </a:txBody>
-                  <a:tcPr/>
-                </a:tc>
-                <a:tc>
-                  <a:txBody>
-                    <a:bodyPr/>
-                    <a:lstStyle/>
-                    <a:p>
-                      <a:r>
-                        <a:rPr lang="en-US" sz="1800" b="0" i="0" kern="1200" dirty="0">
-                          <a:solidFill>
-                            <a:schemeClr val="dk1"/>
-                          </a:solidFill>
-                          <a:effectLst/>
-                          <a:latin typeface="+mn-lt"/>
-                          <a:ea typeface="+mn-ea"/>
-                          <a:cs typeface="+mn-cs"/>
-                        </a:rPr>
-                        <a:t>0.9133</a:t>
-                      </a:r>
-                      <a:endParaRPr lang="en-US" dirty="0"/>
-                    </a:p>
-                  </a:txBody>
-                  <a:tcPr/>
-                </a:tc>
-                <a:tc>
-                  <a:txBody>
-                    <a:bodyPr/>
-                    <a:lstStyle/>
-                    <a:p>
-                      <a:r>
-                        <a:rPr lang="en-US" sz="1800" b="0" i="0" kern="1200" dirty="0">
-                          <a:solidFill>
-                            <a:schemeClr val="dk1"/>
-                          </a:solidFill>
-                          <a:effectLst/>
-                          <a:latin typeface="+mn-lt"/>
-                          <a:ea typeface="+mn-ea"/>
-                          <a:cs typeface="+mn-cs"/>
-                        </a:rPr>
-                        <a:t>0.9103</a:t>
-                      </a:r>
-                      <a:endParaRPr lang="en-US" dirty="0"/>
-                    </a:p>
-                  </a:txBody>
-                  <a:tcPr/>
-                </a:tc>
-                <a:tc>
-                  <a:txBody>
-                    <a:bodyPr/>
-                    <a:lstStyle/>
-                    <a:p>
-                      <a:r>
-                        <a:rPr lang="en-US" sz="1800" b="0" i="0" kern="1200" dirty="0">
-                          <a:solidFill>
-                            <a:schemeClr val="dk1"/>
-                          </a:solidFill>
-                          <a:effectLst/>
-                          <a:latin typeface="+mn-lt"/>
-                          <a:ea typeface="+mn-ea"/>
-                          <a:cs typeface="+mn-cs"/>
-                        </a:rPr>
-                        <a:t>0.9136</a:t>
-                      </a:r>
-                      <a:endParaRPr lang="en-US" dirty="0"/>
-                    </a:p>
-                  </a:txBody>
-                  <a:tcPr/>
-                </a:tc>
-                <a:tc>
-                  <a:txBody>
-                    <a:bodyPr/>
-                    <a:lstStyle/>
-                    <a:p>
-                      <a:r>
-                        <a:rPr lang="en-US" sz="1800" b="0" i="0" kern="1200" dirty="0">
-                          <a:solidFill>
-                            <a:schemeClr val="dk1"/>
-                          </a:solidFill>
-                          <a:effectLst/>
-                          <a:latin typeface="+mn-lt"/>
-                          <a:ea typeface="+mn-ea"/>
-                          <a:cs typeface="+mn-cs"/>
-                        </a:rPr>
-                        <a:t>0.9121</a:t>
-                      </a:r>
-                      <a:endParaRPr lang="en-US" dirty="0"/>
-                    </a:p>
-                  </a:txBody>
-                  <a:tcPr/>
-                </a:tc>
-                <a:extLst>
-                  <a:ext uri="{0D108BD9-81ED-4DB2-BD59-A6C34878D82A}">
-                    <a16:rowId xmlns:a16="http://schemas.microsoft.com/office/drawing/2014/main" val="2406840892"/>
-                  </a:ext>
-                </a:extLst>
-              </a:tr>
-            </a:tbl>
-          </a:graphicData>
-        </a:graphic>
-      </p:graphicFrame>
-    </p:spTree>
-    <p:extLst>
-      <p:ext uri="{BB962C8B-B14F-4D97-AF65-F5344CB8AC3E}">
-        <p14:creationId xmlns:p14="http://schemas.microsoft.com/office/powerpoint/2010/main" val="2633392116"/>
       </p:ext>
     </p:extLst>
   </p:cSld>
@@ -19117,6 +17673,1678 @@
           <a:p>
             <a:r>
               <a:rPr lang="sr-Latn-BA" dirty="0"/>
+              <a:t>Izracunavanje RTP-a pomoću simulacije</a:t>
+            </a:r>
+            <a:endParaRPr lang="en-US" dirty="0"/>
+          </a:p>
+        </p:txBody>
+      </p:sp>
+      <p:graphicFrame>
+        <p:nvGraphicFramePr>
+          <p:cNvPr id="4" name="Content Placeholder 3"/>
+          <p:cNvGraphicFramePr>
+            <a:graphicFrameLocks noGrp="1"/>
+          </p:cNvGraphicFramePr>
+          <p:nvPr>
+            <p:ph idx="1"/>
+            <p:extLst>
+              <p:ext uri="{D42A27DB-BD31-4B8C-83A1-F6EECF244321}">
+                <p14:modId xmlns:p14="http://schemas.microsoft.com/office/powerpoint/2010/main" val="3831748022"/>
+              </p:ext>
+            </p:extLst>
+          </p:nvPr>
+        </p:nvGraphicFramePr>
+        <p:xfrm>
+          <a:off x="581024" y="2521541"/>
+          <a:ext cx="11249027" cy="2707685"/>
+        </p:xfrm>
+        <a:graphic>
+          <a:graphicData uri="http://schemas.openxmlformats.org/drawingml/2006/table">
+            <a:tbl>
+              <a:tblPr firstRow="1" firstCol="1" bandRow="1">
+                <a:tableStyleId>{073A0DAA-6AF3-43AB-8588-CEC1D06C72B9}</a:tableStyleId>
+              </a:tblPr>
+              <a:tblGrid>
+                <a:gridCol w="1579254">
+                  <a:extLst>
+                    <a:ext uri="{9D8B030D-6E8A-4147-A177-3AD203B41FA5}">
+                      <a16:colId xmlns:a16="http://schemas.microsoft.com/office/drawing/2014/main" val="20000"/>
+                    </a:ext>
+                  </a:extLst>
+                </a:gridCol>
+                <a:gridCol w="928973">
+                  <a:extLst>
+                    <a:ext uri="{9D8B030D-6E8A-4147-A177-3AD203B41FA5}">
+                      <a16:colId xmlns:a16="http://schemas.microsoft.com/office/drawing/2014/main" val="20001"/>
+                    </a:ext>
+                  </a:extLst>
+                </a:gridCol>
+                <a:gridCol w="971200">
+                  <a:extLst>
+                    <a:ext uri="{9D8B030D-6E8A-4147-A177-3AD203B41FA5}">
+                      <a16:colId xmlns:a16="http://schemas.microsoft.com/office/drawing/2014/main" val="20002"/>
+                    </a:ext>
+                  </a:extLst>
+                </a:gridCol>
+                <a:gridCol w="971200">
+                  <a:extLst>
+                    <a:ext uri="{9D8B030D-6E8A-4147-A177-3AD203B41FA5}">
+                      <a16:colId xmlns:a16="http://schemas.microsoft.com/office/drawing/2014/main" val="20003"/>
+                    </a:ext>
+                  </a:extLst>
+                </a:gridCol>
+                <a:gridCol w="971200">
+                  <a:extLst>
+                    <a:ext uri="{9D8B030D-6E8A-4147-A177-3AD203B41FA5}">
+                      <a16:colId xmlns:a16="http://schemas.microsoft.com/office/drawing/2014/main" val="20004"/>
+                    </a:ext>
+                  </a:extLst>
+                </a:gridCol>
+                <a:gridCol w="971200">
+                  <a:extLst>
+                    <a:ext uri="{9D8B030D-6E8A-4147-A177-3AD203B41FA5}">
+                      <a16:colId xmlns:a16="http://schemas.microsoft.com/office/drawing/2014/main" val="20005"/>
+                    </a:ext>
+                  </a:extLst>
+                </a:gridCol>
+                <a:gridCol w="971200">
+                  <a:extLst>
+                    <a:ext uri="{9D8B030D-6E8A-4147-A177-3AD203B41FA5}">
+                      <a16:colId xmlns:a16="http://schemas.microsoft.com/office/drawing/2014/main" val="20006"/>
+                    </a:ext>
+                  </a:extLst>
+                </a:gridCol>
+                <a:gridCol w="971200">
+                  <a:extLst>
+                    <a:ext uri="{9D8B030D-6E8A-4147-A177-3AD203B41FA5}">
+                      <a16:colId xmlns:a16="http://schemas.microsoft.com/office/drawing/2014/main" val="20007"/>
+                    </a:ext>
+                  </a:extLst>
+                </a:gridCol>
+                <a:gridCol w="971200">
+                  <a:extLst>
+                    <a:ext uri="{9D8B030D-6E8A-4147-A177-3AD203B41FA5}">
+                      <a16:colId xmlns:a16="http://schemas.microsoft.com/office/drawing/2014/main" val="20008"/>
+                    </a:ext>
+                  </a:extLst>
+                </a:gridCol>
+                <a:gridCol w="971200">
+                  <a:extLst>
+                    <a:ext uri="{9D8B030D-6E8A-4147-A177-3AD203B41FA5}">
+                      <a16:colId xmlns:a16="http://schemas.microsoft.com/office/drawing/2014/main" val="20009"/>
+                    </a:ext>
+                  </a:extLst>
+                </a:gridCol>
+                <a:gridCol w="971200">
+                  <a:extLst>
+                    <a:ext uri="{9D8B030D-6E8A-4147-A177-3AD203B41FA5}">
+                      <a16:colId xmlns:a16="http://schemas.microsoft.com/office/drawing/2014/main" val="20010"/>
+                    </a:ext>
+                  </a:extLst>
+                </a:gridCol>
+              </a:tblGrid>
+              <a:tr h="371587">
+                <a:tc>
+                  <a:txBody>
+                    <a:bodyPr/>
+                    <a:lstStyle/>
+                    <a:p>
+                      <a:endParaRPr lang="en-US" dirty="0"/>
+                    </a:p>
+                  </a:txBody>
+                  <a:tcPr/>
+                </a:tc>
+                <a:tc>
+                  <a:txBody>
+                    <a:bodyPr/>
+                    <a:lstStyle/>
+                    <a:p>
+                      <a:r>
+                        <a:rPr lang="en-US" dirty="0"/>
+                        <a:t>1</a:t>
+                      </a:r>
+                    </a:p>
+                  </a:txBody>
+                  <a:tcPr/>
+                </a:tc>
+                <a:tc>
+                  <a:txBody>
+                    <a:bodyPr/>
+                    <a:lstStyle/>
+                    <a:p>
+                      <a:pPr marL="0" marR="0" indent="0" algn="l" defTabSz="914400" rtl="0" eaLnBrk="1" fontAlgn="auto" latinLnBrk="0" hangingPunct="1">
+                        <a:lnSpc>
+                          <a:spcPct val="100000"/>
+                        </a:lnSpc>
+                        <a:spcBef>
+                          <a:spcPts val="0"/>
+                        </a:spcBef>
+                        <a:spcAft>
+                          <a:spcPts val="0"/>
+                        </a:spcAft>
+                        <a:buClrTx/>
+                        <a:buSzTx/>
+                        <a:buFontTx/>
+                        <a:buNone/>
+                        <a:tabLst/>
+                        <a:defRPr/>
+                      </a:pPr>
+                      <a:r>
+                        <a:rPr lang="en-US" dirty="0"/>
+                        <a:t>2</a:t>
+                      </a:r>
+                    </a:p>
+                  </a:txBody>
+                  <a:tcPr/>
+                </a:tc>
+                <a:tc>
+                  <a:txBody>
+                    <a:bodyPr/>
+                    <a:lstStyle/>
+                    <a:p>
+                      <a:pPr marL="0" marR="0" indent="0" algn="l" defTabSz="914400" rtl="0" eaLnBrk="1" fontAlgn="auto" latinLnBrk="0" hangingPunct="1">
+                        <a:lnSpc>
+                          <a:spcPct val="100000"/>
+                        </a:lnSpc>
+                        <a:spcBef>
+                          <a:spcPts val="0"/>
+                        </a:spcBef>
+                        <a:spcAft>
+                          <a:spcPts val="0"/>
+                        </a:spcAft>
+                        <a:buClrTx/>
+                        <a:buSzTx/>
+                        <a:buFontTx/>
+                        <a:buNone/>
+                        <a:tabLst/>
+                        <a:defRPr/>
+                      </a:pPr>
+                      <a:r>
+                        <a:rPr lang="en-US" dirty="0"/>
+                        <a:t>3</a:t>
+                      </a:r>
+                    </a:p>
+                  </a:txBody>
+                  <a:tcPr/>
+                </a:tc>
+                <a:tc>
+                  <a:txBody>
+                    <a:bodyPr/>
+                    <a:lstStyle/>
+                    <a:p>
+                      <a:pPr marL="0" marR="0" indent="0" algn="l" defTabSz="914400" rtl="0" eaLnBrk="1" fontAlgn="auto" latinLnBrk="0" hangingPunct="1">
+                        <a:lnSpc>
+                          <a:spcPct val="100000"/>
+                        </a:lnSpc>
+                        <a:spcBef>
+                          <a:spcPts val="0"/>
+                        </a:spcBef>
+                        <a:spcAft>
+                          <a:spcPts val="0"/>
+                        </a:spcAft>
+                        <a:buClrTx/>
+                        <a:buSzTx/>
+                        <a:buFontTx/>
+                        <a:buNone/>
+                        <a:tabLst/>
+                        <a:defRPr/>
+                      </a:pPr>
+                      <a:r>
+                        <a:rPr lang="en-US" dirty="0"/>
+                        <a:t>4</a:t>
+                      </a:r>
+                    </a:p>
+                  </a:txBody>
+                  <a:tcPr/>
+                </a:tc>
+                <a:tc>
+                  <a:txBody>
+                    <a:bodyPr/>
+                    <a:lstStyle/>
+                    <a:p>
+                      <a:pPr marL="0" marR="0" indent="0" algn="l" defTabSz="914400" rtl="0" eaLnBrk="1" fontAlgn="auto" latinLnBrk="0" hangingPunct="1">
+                        <a:lnSpc>
+                          <a:spcPct val="100000"/>
+                        </a:lnSpc>
+                        <a:spcBef>
+                          <a:spcPts val="0"/>
+                        </a:spcBef>
+                        <a:spcAft>
+                          <a:spcPts val="0"/>
+                        </a:spcAft>
+                        <a:buClrTx/>
+                        <a:buSzTx/>
+                        <a:buFontTx/>
+                        <a:buNone/>
+                        <a:tabLst/>
+                        <a:defRPr/>
+                      </a:pPr>
+                      <a:r>
+                        <a:rPr lang="en-US" dirty="0"/>
+                        <a:t>5</a:t>
+                      </a:r>
+                    </a:p>
+                  </a:txBody>
+                  <a:tcPr/>
+                </a:tc>
+                <a:tc>
+                  <a:txBody>
+                    <a:bodyPr/>
+                    <a:lstStyle/>
+                    <a:p>
+                      <a:pPr marL="0" marR="0" indent="0" algn="l" defTabSz="914400" rtl="0" eaLnBrk="1" fontAlgn="auto" latinLnBrk="0" hangingPunct="1">
+                        <a:lnSpc>
+                          <a:spcPct val="100000"/>
+                        </a:lnSpc>
+                        <a:spcBef>
+                          <a:spcPts val="0"/>
+                        </a:spcBef>
+                        <a:spcAft>
+                          <a:spcPts val="0"/>
+                        </a:spcAft>
+                        <a:buClrTx/>
+                        <a:buSzTx/>
+                        <a:buFontTx/>
+                        <a:buNone/>
+                        <a:tabLst/>
+                        <a:defRPr/>
+                      </a:pPr>
+                      <a:r>
+                        <a:rPr lang="en-US" dirty="0"/>
+                        <a:t>6</a:t>
+                      </a:r>
+                    </a:p>
+                  </a:txBody>
+                  <a:tcPr/>
+                </a:tc>
+                <a:tc>
+                  <a:txBody>
+                    <a:bodyPr/>
+                    <a:lstStyle/>
+                    <a:p>
+                      <a:pPr marL="0" marR="0" indent="0" algn="l" defTabSz="914400" rtl="0" eaLnBrk="1" fontAlgn="auto" latinLnBrk="0" hangingPunct="1">
+                        <a:lnSpc>
+                          <a:spcPct val="100000"/>
+                        </a:lnSpc>
+                        <a:spcBef>
+                          <a:spcPts val="0"/>
+                        </a:spcBef>
+                        <a:spcAft>
+                          <a:spcPts val="0"/>
+                        </a:spcAft>
+                        <a:buClrTx/>
+                        <a:buSzTx/>
+                        <a:buFontTx/>
+                        <a:buNone/>
+                        <a:tabLst/>
+                        <a:defRPr/>
+                      </a:pPr>
+                      <a:r>
+                        <a:rPr lang="en-US" dirty="0"/>
+                        <a:t>7</a:t>
+                      </a:r>
+                    </a:p>
+                  </a:txBody>
+                  <a:tcPr/>
+                </a:tc>
+                <a:tc>
+                  <a:txBody>
+                    <a:bodyPr/>
+                    <a:lstStyle/>
+                    <a:p>
+                      <a:pPr marL="0" marR="0" indent="0" algn="l" defTabSz="914400" rtl="0" eaLnBrk="1" fontAlgn="auto" latinLnBrk="0" hangingPunct="1">
+                        <a:lnSpc>
+                          <a:spcPct val="100000"/>
+                        </a:lnSpc>
+                        <a:spcBef>
+                          <a:spcPts val="0"/>
+                        </a:spcBef>
+                        <a:spcAft>
+                          <a:spcPts val="0"/>
+                        </a:spcAft>
+                        <a:buClrTx/>
+                        <a:buSzTx/>
+                        <a:buFontTx/>
+                        <a:buNone/>
+                        <a:tabLst/>
+                        <a:defRPr/>
+                      </a:pPr>
+                      <a:r>
+                        <a:rPr lang="en-US" dirty="0"/>
+                        <a:t>8</a:t>
+                      </a:r>
+                    </a:p>
+                  </a:txBody>
+                  <a:tcPr/>
+                </a:tc>
+                <a:tc>
+                  <a:txBody>
+                    <a:bodyPr/>
+                    <a:lstStyle/>
+                    <a:p>
+                      <a:pPr marL="0" marR="0" indent="0" algn="l" defTabSz="914400" rtl="0" eaLnBrk="1" fontAlgn="auto" latinLnBrk="0" hangingPunct="1">
+                        <a:lnSpc>
+                          <a:spcPct val="100000"/>
+                        </a:lnSpc>
+                        <a:spcBef>
+                          <a:spcPts val="0"/>
+                        </a:spcBef>
+                        <a:spcAft>
+                          <a:spcPts val="0"/>
+                        </a:spcAft>
+                        <a:buClrTx/>
+                        <a:buSzTx/>
+                        <a:buFontTx/>
+                        <a:buNone/>
+                        <a:tabLst/>
+                        <a:defRPr/>
+                      </a:pPr>
+                      <a:r>
+                        <a:rPr lang="en-US" dirty="0"/>
+                        <a:t>9</a:t>
+                      </a:r>
+                    </a:p>
+                  </a:txBody>
+                  <a:tcPr/>
+                </a:tc>
+                <a:tc>
+                  <a:txBody>
+                    <a:bodyPr/>
+                    <a:lstStyle/>
+                    <a:p>
+                      <a:pPr marL="0" marR="0" indent="0" algn="l" defTabSz="914400" rtl="0" eaLnBrk="1" fontAlgn="auto" latinLnBrk="0" hangingPunct="1">
+                        <a:lnSpc>
+                          <a:spcPct val="100000"/>
+                        </a:lnSpc>
+                        <a:spcBef>
+                          <a:spcPts val="0"/>
+                        </a:spcBef>
+                        <a:spcAft>
+                          <a:spcPts val="0"/>
+                        </a:spcAft>
+                        <a:buClrTx/>
+                        <a:buSzTx/>
+                        <a:buFontTx/>
+                        <a:buNone/>
+                        <a:tabLst/>
+                        <a:defRPr/>
+                      </a:pPr>
+                      <a:r>
+                        <a:rPr lang="en-US" dirty="0"/>
+                        <a:t>10</a:t>
+                      </a:r>
+                    </a:p>
+                  </a:txBody>
+                  <a:tcPr/>
+                </a:tc>
+                <a:extLst>
+                  <a:ext uri="{0D108BD9-81ED-4DB2-BD59-A6C34878D82A}">
+                    <a16:rowId xmlns:a16="http://schemas.microsoft.com/office/drawing/2014/main" val="10000"/>
+                  </a:ext>
+                </a:extLst>
+              </a:tr>
+              <a:tr h="371587">
+                <a:tc>
+                  <a:txBody>
+                    <a:bodyPr/>
+                    <a:lstStyle/>
+                    <a:p>
+                      <a:r>
+                        <a:rPr lang="en-US" dirty="0"/>
+                        <a:t>i=1,000</a:t>
+                      </a:r>
+                    </a:p>
+                  </a:txBody>
+                  <a:tcPr/>
+                </a:tc>
+                <a:tc>
+                  <a:txBody>
+                    <a:bodyPr/>
+                    <a:lstStyle/>
+                    <a:p>
+                      <a:r>
+                        <a:rPr lang="en-US" sz="1800" kern="1200" dirty="0">
+                          <a:effectLst/>
+                        </a:rPr>
+                        <a:t>0.838</a:t>
+                      </a:r>
+                      <a:endParaRPr lang="en-US" dirty="0"/>
+                    </a:p>
+                  </a:txBody>
+                  <a:tcPr/>
+                </a:tc>
+                <a:tc>
+                  <a:txBody>
+                    <a:bodyPr/>
+                    <a:lstStyle/>
+                    <a:p>
+                      <a:r>
+                        <a:rPr lang="en-US" sz="1800" kern="1200" dirty="0">
+                          <a:effectLst/>
+                        </a:rPr>
+                        <a:t>0.7681</a:t>
+                      </a:r>
+                      <a:endParaRPr lang="en-US" dirty="0"/>
+                    </a:p>
+                  </a:txBody>
+                  <a:tcPr/>
+                </a:tc>
+                <a:tc>
+                  <a:txBody>
+                    <a:bodyPr/>
+                    <a:lstStyle/>
+                    <a:p>
+                      <a:r>
+                        <a:rPr lang="en-US" sz="1800" kern="1200" dirty="0">
+                          <a:effectLst/>
+                        </a:rPr>
+                        <a:t>0.901</a:t>
+                      </a:r>
+                      <a:endParaRPr lang="en-US" dirty="0"/>
+                    </a:p>
+                  </a:txBody>
+                  <a:tcPr/>
+                </a:tc>
+                <a:tc>
+                  <a:txBody>
+                    <a:bodyPr/>
+                    <a:lstStyle/>
+                    <a:p>
+                      <a:r>
+                        <a:rPr lang="en-US" sz="1800" kern="1200" dirty="0">
+                          <a:effectLst/>
+                        </a:rPr>
+                        <a:t>1.0131</a:t>
+                      </a:r>
+                      <a:endParaRPr lang="en-US" dirty="0"/>
+                    </a:p>
+                  </a:txBody>
+                  <a:tcPr/>
+                </a:tc>
+                <a:tc>
+                  <a:txBody>
+                    <a:bodyPr/>
+                    <a:lstStyle/>
+                    <a:p>
+                      <a:r>
+                        <a:rPr lang="en-US" sz="1800" kern="1200" dirty="0">
+                          <a:effectLst/>
+                        </a:rPr>
+                        <a:t>0.666</a:t>
+                      </a:r>
+                      <a:endParaRPr lang="en-US" dirty="0"/>
+                    </a:p>
+                  </a:txBody>
+                  <a:tcPr/>
+                </a:tc>
+                <a:tc>
+                  <a:txBody>
+                    <a:bodyPr/>
+                    <a:lstStyle/>
+                    <a:p>
+                      <a:r>
+                        <a:rPr lang="en-US" sz="1800" kern="1200" dirty="0">
+                          <a:effectLst/>
+                        </a:rPr>
+                        <a:t>0.826</a:t>
+                      </a:r>
+                      <a:endParaRPr lang="en-US" dirty="0"/>
+                    </a:p>
+                  </a:txBody>
+                  <a:tcPr/>
+                </a:tc>
+                <a:tc>
+                  <a:txBody>
+                    <a:bodyPr/>
+                    <a:lstStyle/>
+                    <a:p>
+                      <a:r>
+                        <a:rPr lang="en-US" sz="1800" kern="1200" dirty="0">
+                          <a:effectLst/>
+                        </a:rPr>
+                        <a:t>1.0792</a:t>
+                      </a:r>
+                      <a:endParaRPr lang="en-US" dirty="0"/>
+                    </a:p>
+                  </a:txBody>
+                  <a:tcPr/>
+                </a:tc>
+                <a:tc>
+                  <a:txBody>
+                    <a:bodyPr/>
+                    <a:lstStyle/>
+                    <a:p>
+                      <a:r>
+                        <a:rPr lang="en-US" sz="1800" kern="1200" dirty="0">
+                          <a:effectLst/>
+                        </a:rPr>
+                        <a:t>0.9741</a:t>
+                      </a:r>
+                      <a:endParaRPr lang="en-US" dirty="0"/>
+                    </a:p>
+                  </a:txBody>
+                  <a:tcPr/>
+                </a:tc>
+                <a:tc>
+                  <a:txBody>
+                    <a:bodyPr/>
+                    <a:lstStyle/>
+                    <a:p>
+                      <a:r>
+                        <a:rPr lang="en-US" sz="1800" kern="1200" dirty="0">
+                          <a:effectLst/>
+                        </a:rPr>
+                        <a:t>1.0131</a:t>
+                      </a:r>
+                      <a:endParaRPr lang="en-US" dirty="0"/>
+                    </a:p>
+                  </a:txBody>
+                  <a:tcPr/>
+                </a:tc>
+                <a:tc>
+                  <a:txBody>
+                    <a:bodyPr/>
+                    <a:lstStyle/>
+                    <a:p>
+                      <a:r>
+                        <a:rPr lang="en-US" sz="1800" kern="1200" dirty="0">
+                          <a:effectLst/>
+                        </a:rPr>
+                        <a:t>0.8832</a:t>
+                      </a:r>
+                      <a:endParaRPr lang="en-US" dirty="0"/>
+                    </a:p>
+                  </a:txBody>
+                  <a:tcPr/>
+                </a:tc>
+                <a:extLst>
+                  <a:ext uri="{0D108BD9-81ED-4DB2-BD59-A6C34878D82A}">
+                    <a16:rowId xmlns:a16="http://schemas.microsoft.com/office/drawing/2014/main" val="10001"/>
+                  </a:ext>
+                </a:extLst>
+              </a:tr>
+              <a:tr h="371587">
+                <a:tc>
+                  <a:txBody>
+                    <a:bodyPr/>
+                    <a:lstStyle/>
+                    <a:p>
+                      <a:r>
+                        <a:rPr lang="en-US" dirty="0"/>
+                        <a:t>i=10,000</a:t>
+                      </a:r>
+                    </a:p>
+                  </a:txBody>
+                  <a:tcPr/>
+                </a:tc>
+                <a:tc>
+                  <a:txBody>
+                    <a:bodyPr/>
+                    <a:lstStyle/>
+                    <a:p>
+                      <a:r>
+                        <a:rPr lang="en-US" sz="1800" kern="1200" dirty="0">
+                          <a:effectLst/>
+                        </a:rPr>
+                        <a:t>0.8956</a:t>
+                      </a:r>
+                      <a:endParaRPr lang="en-US" dirty="0"/>
+                    </a:p>
+                  </a:txBody>
+                  <a:tcPr/>
+                </a:tc>
+                <a:tc>
+                  <a:txBody>
+                    <a:bodyPr/>
+                    <a:lstStyle/>
+                    <a:p>
+                      <a:r>
+                        <a:rPr lang="en-US" sz="1800" kern="1200" dirty="0">
+                          <a:effectLst/>
+                        </a:rPr>
+                        <a:t>0.8750</a:t>
+                      </a:r>
+                      <a:endParaRPr lang="en-US" dirty="0"/>
+                    </a:p>
+                  </a:txBody>
+                  <a:tcPr/>
+                </a:tc>
+                <a:tc>
+                  <a:txBody>
+                    <a:bodyPr/>
+                    <a:lstStyle/>
+                    <a:p>
+                      <a:r>
+                        <a:rPr lang="en-US" sz="1800" kern="1200" dirty="0">
+                          <a:effectLst/>
+                        </a:rPr>
+                        <a:t>0.9014</a:t>
+                      </a:r>
+                      <a:endParaRPr lang="en-US" dirty="0"/>
+                    </a:p>
+                  </a:txBody>
+                  <a:tcPr/>
+                </a:tc>
+                <a:tc>
+                  <a:txBody>
+                    <a:bodyPr/>
+                    <a:lstStyle/>
+                    <a:p>
+                      <a:r>
+                        <a:rPr lang="en-US" sz="1800" kern="1200" dirty="0">
+                          <a:effectLst/>
+                        </a:rPr>
+                        <a:t>0.8998</a:t>
+                      </a:r>
+                      <a:endParaRPr lang="en-US" dirty="0"/>
+                    </a:p>
+                  </a:txBody>
+                  <a:tcPr/>
+                </a:tc>
+                <a:tc>
+                  <a:txBody>
+                    <a:bodyPr/>
+                    <a:lstStyle/>
+                    <a:p>
+                      <a:r>
+                        <a:rPr lang="en-US" sz="1800" kern="1200" dirty="0">
+                          <a:effectLst/>
+                        </a:rPr>
+                        <a:t>0.8703</a:t>
+                      </a:r>
+                      <a:endParaRPr lang="en-US" dirty="0"/>
+                    </a:p>
+                  </a:txBody>
+                  <a:tcPr/>
+                </a:tc>
+                <a:tc>
+                  <a:txBody>
+                    <a:bodyPr/>
+                    <a:lstStyle/>
+                    <a:p>
+                      <a:r>
+                        <a:rPr lang="en-US" sz="1800" kern="1200" dirty="0">
+                          <a:effectLst/>
+                        </a:rPr>
+                        <a:t>0.8981</a:t>
+                      </a:r>
+                      <a:endParaRPr lang="en-US" dirty="0"/>
+                    </a:p>
+                  </a:txBody>
+                  <a:tcPr/>
+                </a:tc>
+                <a:tc>
+                  <a:txBody>
+                    <a:bodyPr/>
+                    <a:lstStyle/>
+                    <a:p>
+                      <a:r>
+                        <a:rPr lang="en-US" sz="1800" kern="1200" dirty="0">
+                          <a:effectLst/>
+                        </a:rPr>
+                        <a:t>0.9139</a:t>
+                      </a:r>
+                      <a:endParaRPr lang="en-US" dirty="0"/>
+                    </a:p>
+                  </a:txBody>
+                  <a:tcPr/>
+                </a:tc>
+                <a:tc>
+                  <a:txBody>
+                    <a:bodyPr/>
+                    <a:lstStyle/>
+                    <a:p>
+                      <a:r>
+                        <a:rPr lang="en-US" sz="1800" kern="1200" dirty="0">
+                          <a:effectLst/>
+                        </a:rPr>
+                        <a:t>0.9854</a:t>
+                      </a:r>
+                      <a:endParaRPr lang="en-US" dirty="0"/>
+                    </a:p>
+                  </a:txBody>
+                  <a:tcPr/>
+                </a:tc>
+                <a:tc>
+                  <a:txBody>
+                    <a:bodyPr/>
+                    <a:lstStyle/>
+                    <a:p>
+                      <a:r>
+                        <a:rPr lang="en-US" sz="1800" kern="1200" dirty="0">
+                          <a:effectLst/>
+                        </a:rPr>
+                        <a:t>0.8578 </a:t>
+                      </a:r>
+                      <a:endParaRPr lang="en-US" dirty="0"/>
+                    </a:p>
+                  </a:txBody>
+                  <a:tcPr/>
+                </a:tc>
+                <a:tc>
+                  <a:txBody>
+                    <a:bodyPr/>
+                    <a:lstStyle/>
+                    <a:p>
+                      <a:r>
+                        <a:rPr lang="en-US" sz="1800" kern="1200" dirty="0">
+                          <a:effectLst/>
+                        </a:rPr>
+                        <a:t>0.9595</a:t>
+                      </a:r>
+                      <a:endParaRPr lang="en-US" dirty="0"/>
+                    </a:p>
+                  </a:txBody>
+                  <a:tcPr/>
+                </a:tc>
+                <a:extLst>
+                  <a:ext uri="{0D108BD9-81ED-4DB2-BD59-A6C34878D82A}">
+                    <a16:rowId xmlns:a16="http://schemas.microsoft.com/office/drawing/2014/main" val="10002"/>
+                  </a:ext>
+                </a:extLst>
+              </a:tr>
+              <a:tr h="371587">
+                <a:tc>
+                  <a:txBody>
+                    <a:bodyPr/>
+                    <a:lstStyle/>
+                    <a:p>
+                      <a:pPr marL="0" marR="0" indent="0" algn="l" defTabSz="914400" rtl="0" eaLnBrk="1" fontAlgn="auto" latinLnBrk="0" hangingPunct="1">
+                        <a:lnSpc>
+                          <a:spcPct val="100000"/>
+                        </a:lnSpc>
+                        <a:spcBef>
+                          <a:spcPts val="0"/>
+                        </a:spcBef>
+                        <a:spcAft>
+                          <a:spcPts val="0"/>
+                        </a:spcAft>
+                        <a:buClrTx/>
+                        <a:buSzTx/>
+                        <a:buFontTx/>
+                        <a:buNone/>
+                        <a:tabLst/>
+                        <a:defRPr/>
+                      </a:pPr>
+                      <a:r>
+                        <a:rPr lang="en-US" dirty="0"/>
+                        <a:t>i=100,000</a:t>
+                      </a:r>
+                    </a:p>
+                  </a:txBody>
+                  <a:tcPr/>
+                </a:tc>
+                <a:tc>
+                  <a:txBody>
+                    <a:bodyPr/>
+                    <a:lstStyle/>
+                    <a:p>
+                      <a:r>
+                        <a:rPr lang="en-US" sz="1800" kern="1200" dirty="0">
+                          <a:effectLst/>
+                        </a:rPr>
+                        <a:t>0.9164</a:t>
+                      </a:r>
+                      <a:endParaRPr lang="en-US" dirty="0"/>
+                    </a:p>
+                  </a:txBody>
+                  <a:tcPr/>
+                </a:tc>
+                <a:tc>
+                  <a:txBody>
+                    <a:bodyPr/>
+                    <a:lstStyle/>
+                    <a:p>
+                      <a:r>
+                        <a:rPr lang="en-US" sz="1800" kern="1200" dirty="0">
+                          <a:effectLst/>
+                        </a:rPr>
+                        <a:t>0.9013</a:t>
+                      </a:r>
+                      <a:endParaRPr lang="en-US" dirty="0"/>
+                    </a:p>
+                  </a:txBody>
+                  <a:tcPr/>
+                </a:tc>
+                <a:tc>
+                  <a:txBody>
+                    <a:bodyPr/>
+                    <a:lstStyle/>
+                    <a:p>
+                      <a:r>
+                        <a:rPr lang="en-US" sz="1800" kern="1200" dirty="0">
+                          <a:effectLst/>
+                        </a:rPr>
+                        <a:t>0.8972</a:t>
+                      </a:r>
+                      <a:endParaRPr lang="en-US" dirty="0"/>
+                    </a:p>
+                  </a:txBody>
+                  <a:tcPr/>
+                </a:tc>
+                <a:tc>
+                  <a:txBody>
+                    <a:bodyPr/>
+                    <a:lstStyle/>
+                    <a:p>
+                      <a:r>
+                        <a:rPr lang="en-US" sz="1800" kern="1200" dirty="0">
+                          <a:effectLst/>
+                        </a:rPr>
+                        <a:t>0.9137</a:t>
+                      </a:r>
+                      <a:endParaRPr lang="en-US" dirty="0"/>
+                    </a:p>
+                  </a:txBody>
+                  <a:tcPr/>
+                </a:tc>
+                <a:tc>
+                  <a:txBody>
+                    <a:bodyPr/>
+                    <a:lstStyle/>
+                    <a:p>
+                      <a:r>
+                        <a:rPr lang="en-US" sz="1800" kern="1200" dirty="0">
+                          <a:effectLst/>
+                        </a:rPr>
+                        <a:t>0.8964</a:t>
+                      </a:r>
+                      <a:endParaRPr lang="en-US" dirty="0"/>
+                    </a:p>
+                  </a:txBody>
+                  <a:tcPr/>
+                </a:tc>
+                <a:tc>
+                  <a:txBody>
+                    <a:bodyPr/>
+                    <a:lstStyle/>
+                    <a:p>
+                      <a:r>
+                        <a:rPr lang="en-US" sz="1800" kern="1200" dirty="0">
+                          <a:effectLst/>
+                        </a:rPr>
+                        <a:t>0.8903</a:t>
+                      </a:r>
+                      <a:endParaRPr lang="en-US" dirty="0"/>
+                    </a:p>
+                  </a:txBody>
+                  <a:tcPr/>
+                </a:tc>
+                <a:tc>
+                  <a:txBody>
+                    <a:bodyPr/>
+                    <a:lstStyle/>
+                    <a:p>
+                      <a:r>
+                        <a:rPr lang="en-US" sz="1800" kern="1200" dirty="0">
+                          <a:effectLst/>
+                        </a:rPr>
+                        <a:t>0.8841</a:t>
+                      </a:r>
+                      <a:endParaRPr lang="en-US" dirty="0"/>
+                    </a:p>
+                  </a:txBody>
+                  <a:tcPr/>
+                </a:tc>
+                <a:tc>
+                  <a:txBody>
+                    <a:bodyPr/>
+                    <a:lstStyle/>
+                    <a:p>
+                      <a:r>
+                        <a:rPr lang="en-US" sz="1800" kern="1200" dirty="0">
+                          <a:effectLst/>
+                        </a:rPr>
+                        <a:t>0.9232</a:t>
+                      </a:r>
+                      <a:endParaRPr lang="en-US" dirty="0"/>
+                    </a:p>
+                  </a:txBody>
+                  <a:tcPr/>
+                </a:tc>
+                <a:tc>
+                  <a:txBody>
+                    <a:bodyPr/>
+                    <a:lstStyle/>
+                    <a:p>
+                      <a:r>
+                        <a:rPr lang="en-US" sz="1800" kern="1200" dirty="0">
+                          <a:effectLst/>
+                        </a:rPr>
+                        <a:t>0.8947</a:t>
+                      </a:r>
+                      <a:endParaRPr lang="en-US" dirty="0"/>
+                    </a:p>
+                  </a:txBody>
+                  <a:tcPr/>
+                </a:tc>
+                <a:tc>
+                  <a:txBody>
+                    <a:bodyPr/>
+                    <a:lstStyle/>
+                    <a:p>
+                      <a:r>
+                        <a:rPr lang="en-US" sz="1800" kern="1200" dirty="0">
+                          <a:effectLst/>
+                        </a:rPr>
+                        <a:t>0.9265</a:t>
+                      </a:r>
+                      <a:endParaRPr lang="en-US" dirty="0"/>
+                    </a:p>
+                  </a:txBody>
+                  <a:tcPr/>
+                </a:tc>
+                <a:extLst>
+                  <a:ext uri="{0D108BD9-81ED-4DB2-BD59-A6C34878D82A}">
+                    <a16:rowId xmlns:a16="http://schemas.microsoft.com/office/drawing/2014/main" val="10003"/>
+                  </a:ext>
+                </a:extLst>
+              </a:tr>
+              <a:tr h="371587">
+                <a:tc>
+                  <a:txBody>
+                    <a:bodyPr/>
+                    <a:lstStyle/>
+                    <a:p>
+                      <a:pPr marL="0" marR="0" indent="0" algn="l" defTabSz="914400" rtl="0" eaLnBrk="1" fontAlgn="auto" latinLnBrk="0" hangingPunct="1">
+                        <a:lnSpc>
+                          <a:spcPct val="100000"/>
+                        </a:lnSpc>
+                        <a:spcBef>
+                          <a:spcPts val="0"/>
+                        </a:spcBef>
+                        <a:spcAft>
+                          <a:spcPts val="0"/>
+                        </a:spcAft>
+                        <a:buClrTx/>
+                        <a:buSzTx/>
+                        <a:buFontTx/>
+                        <a:buNone/>
+                        <a:tabLst/>
+                        <a:defRPr/>
+                      </a:pPr>
+                      <a:r>
+                        <a:rPr lang="en-US" dirty="0" err="1"/>
+                        <a:t>i</a:t>
+                      </a:r>
+                      <a:r>
+                        <a:rPr lang="en-US" dirty="0"/>
+                        <a:t>=100,000</a:t>
+                      </a:r>
+                    </a:p>
+                  </a:txBody>
+                  <a:tcPr/>
+                </a:tc>
+                <a:tc>
+                  <a:txBody>
+                    <a:bodyPr/>
+                    <a:lstStyle/>
+                    <a:p>
+                      <a:r>
+                        <a:rPr lang="en-US" sz="1800" kern="1200" dirty="0">
+                          <a:effectLst/>
+                        </a:rPr>
+                        <a:t>0.9140</a:t>
+                      </a:r>
+                      <a:endParaRPr lang="en-US" dirty="0"/>
+                    </a:p>
+                  </a:txBody>
+                  <a:tcPr/>
+                </a:tc>
+                <a:tc>
+                  <a:txBody>
+                    <a:bodyPr/>
+                    <a:lstStyle/>
+                    <a:p>
+                      <a:r>
+                        <a:rPr lang="en-US" sz="1800" kern="1200" dirty="0">
+                          <a:effectLst/>
+                        </a:rPr>
+                        <a:t>0.9118</a:t>
+                      </a:r>
+                      <a:endParaRPr lang="en-US" dirty="0"/>
+                    </a:p>
+                  </a:txBody>
+                  <a:tcPr/>
+                </a:tc>
+                <a:tc>
+                  <a:txBody>
+                    <a:bodyPr/>
+                    <a:lstStyle/>
+                    <a:p>
+                      <a:r>
+                        <a:rPr lang="en-US" sz="1800" kern="1200" dirty="0">
+                          <a:effectLst/>
+                        </a:rPr>
+                        <a:t>0.9257</a:t>
+                      </a:r>
+                      <a:endParaRPr lang="en-US" dirty="0"/>
+                    </a:p>
+                  </a:txBody>
+                  <a:tcPr/>
+                </a:tc>
+                <a:tc>
+                  <a:txBody>
+                    <a:bodyPr/>
+                    <a:lstStyle/>
+                    <a:p>
+                      <a:r>
+                        <a:rPr lang="en-US" sz="1800" kern="1200" dirty="0">
+                          <a:effectLst/>
+                        </a:rPr>
+                        <a:t>0.9182</a:t>
+                      </a:r>
+                      <a:endParaRPr lang="en-US" dirty="0"/>
+                    </a:p>
+                  </a:txBody>
+                  <a:tcPr/>
+                </a:tc>
+                <a:tc>
+                  <a:txBody>
+                    <a:bodyPr/>
+                    <a:lstStyle/>
+                    <a:p>
+                      <a:r>
+                        <a:rPr lang="en-US" sz="1800" kern="1200" dirty="0">
+                          <a:effectLst/>
+                        </a:rPr>
+                        <a:t>0.9151</a:t>
+                      </a:r>
+                      <a:endParaRPr lang="en-US" dirty="0"/>
+                    </a:p>
+                  </a:txBody>
+                  <a:tcPr/>
+                </a:tc>
+                <a:tc>
+                  <a:txBody>
+                    <a:bodyPr/>
+                    <a:lstStyle/>
+                    <a:p>
+                      <a:r>
+                        <a:rPr lang="en-US" sz="1800" kern="1200" dirty="0">
+                          <a:effectLst/>
+                        </a:rPr>
+                        <a:t>0.9115</a:t>
+                      </a:r>
+                      <a:endParaRPr lang="en-US" dirty="0"/>
+                    </a:p>
+                  </a:txBody>
+                  <a:tcPr/>
+                </a:tc>
+                <a:tc>
+                  <a:txBody>
+                    <a:bodyPr/>
+                    <a:lstStyle/>
+                    <a:p>
+                      <a:r>
+                        <a:rPr lang="en-US" sz="1800" kern="1200" dirty="0">
+                          <a:effectLst/>
+                        </a:rPr>
+                        <a:t>0.9089</a:t>
+                      </a:r>
+                      <a:endParaRPr lang="en-US" dirty="0"/>
+                    </a:p>
+                  </a:txBody>
+                  <a:tcPr/>
+                </a:tc>
+                <a:tc>
+                  <a:txBody>
+                    <a:bodyPr/>
+                    <a:lstStyle/>
+                    <a:p>
+                      <a:r>
+                        <a:rPr lang="en-US" sz="1800" kern="1200" dirty="0">
+                          <a:effectLst/>
+                        </a:rPr>
+                        <a:t>0.9132</a:t>
+                      </a:r>
+                      <a:endParaRPr lang="en-US" dirty="0"/>
+                    </a:p>
+                  </a:txBody>
+                  <a:tcPr/>
+                </a:tc>
+                <a:tc>
+                  <a:txBody>
+                    <a:bodyPr/>
+                    <a:lstStyle/>
+                    <a:p>
+                      <a:r>
+                        <a:rPr lang="en-US" sz="1800" kern="1200" dirty="0">
+                          <a:effectLst/>
+                        </a:rPr>
+                        <a:t>0.9117</a:t>
+                      </a:r>
+                      <a:endParaRPr lang="en-US" dirty="0"/>
+                    </a:p>
+                  </a:txBody>
+                  <a:tcPr/>
+                </a:tc>
+                <a:tc>
+                  <a:txBody>
+                    <a:bodyPr/>
+                    <a:lstStyle/>
+                    <a:p>
+                      <a:r>
+                        <a:rPr lang="en-US" sz="1800" kern="1200" dirty="0">
+                          <a:effectLst/>
+                        </a:rPr>
+                        <a:t>0.9081</a:t>
+                      </a:r>
+                      <a:endParaRPr lang="en-US" dirty="0"/>
+                    </a:p>
+                  </a:txBody>
+                  <a:tcPr/>
+                </a:tc>
+                <a:extLst>
+                  <a:ext uri="{0D108BD9-81ED-4DB2-BD59-A6C34878D82A}">
+                    <a16:rowId xmlns:a16="http://schemas.microsoft.com/office/drawing/2014/main" val="10004"/>
+                  </a:ext>
+                </a:extLst>
+              </a:tr>
+              <a:tr h="371587">
+                <a:tc>
+                  <a:txBody>
+                    <a:bodyPr/>
+                    <a:lstStyle/>
+                    <a:p>
+                      <a:pPr marL="0" marR="0" indent="0" algn="l" defTabSz="914400" rtl="0" eaLnBrk="1" fontAlgn="auto" latinLnBrk="0" hangingPunct="1">
+                        <a:lnSpc>
+                          <a:spcPct val="100000"/>
+                        </a:lnSpc>
+                        <a:spcBef>
+                          <a:spcPts val="0"/>
+                        </a:spcBef>
+                        <a:spcAft>
+                          <a:spcPts val="0"/>
+                        </a:spcAft>
+                        <a:buClrTx/>
+                        <a:buSzTx/>
+                        <a:buFontTx/>
+                        <a:buNone/>
+                        <a:tabLst/>
+                        <a:defRPr/>
+                      </a:pPr>
+                      <a:r>
+                        <a:rPr lang="en-US" dirty="0" err="1"/>
+                        <a:t>i</a:t>
+                      </a:r>
+                      <a:r>
+                        <a:rPr lang="en-US" dirty="0"/>
+                        <a:t>=1,000,000</a:t>
+                      </a:r>
+                    </a:p>
+                  </a:txBody>
+                  <a:tcPr/>
+                </a:tc>
+                <a:tc>
+                  <a:txBody>
+                    <a:bodyPr/>
+                    <a:lstStyle/>
+                    <a:p>
+                      <a:r>
+                        <a:rPr lang="en-US" sz="1800" kern="1200" dirty="0">
+                          <a:effectLst/>
+                        </a:rPr>
+                        <a:t>0.9119</a:t>
+                      </a:r>
+                      <a:endParaRPr lang="en-US" dirty="0"/>
+                    </a:p>
+                  </a:txBody>
+                  <a:tcPr/>
+                </a:tc>
+                <a:tc>
+                  <a:txBody>
+                    <a:bodyPr/>
+                    <a:lstStyle/>
+                    <a:p>
+                      <a:r>
+                        <a:rPr lang="en-US" sz="1800" kern="1200" dirty="0">
+                          <a:effectLst/>
+                        </a:rPr>
+                        <a:t>0.9087</a:t>
+                      </a:r>
+                      <a:endParaRPr lang="en-US" dirty="0"/>
+                    </a:p>
+                  </a:txBody>
+                  <a:tcPr/>
+                </a:tc>
+                <a:tc>
+                  <a:txBody>
+                    <a:bodyPr/>
+                    <a:lstStyle/>
+                    <a:p>
+                      <a:r>
+                        <a:rPr lang="en-US" sz="1800" kern="1200" dirty="0">
+                          <a:effectLst/>
+                        </a:rPr>
+                        <a:t>0.9131</a:t>
+                      </a:r>
+                      <a:endParaRPr lang="en-US" dirty="0"/>
+                    </a:p>
+                  </a:txBody>
+                  <a:tcPr/>
+                </a:tc>
+                <a:tc>
+                  <a:txBody>
+                    <a:bodyPr/>
+                    <a:lstStyle/>
+                    <a:p>
+                      <a:r>
+                        <a:rPr lang="en-US" sz="1800" kern="1200" dirty="0">
+                          <a:effectLst/>
+                        </a:rPr>
+                        <a:t>0.9119</a:t>
+                      </a:r>
+                      <a:endParaRPr lang="en-US" dirty="0"/>
+                    </a:p>
+                  </a:txBody>
+                  <a:tcPr/>
+                </a:tc>
+                <a:tc>
+                  <a:txBody>
+                    <a:bodyPr/>
+                    <a:lstStyle/>
+                    <a:p>
+                      <a:r>
+                        <a:rPr lang="en-US" sz="1800" kern="1200" dirty="0">
+                          <a:effectLst/>
+                        </a:rPr>
+                        <a:t>0.9104</a:t>
+                      </a:r>
+                      <a:endParaRPr lang="en-US" dirty="0"/>
+                    </a:p>
+                  </a:txBody>
+                  <a:tcPr/>
+                </a:tc>
+                <a:tc>
+                  <a:txBody>
+                    <a:bodyPr/>
+                    <a:lstStyle/>
+                    <a:p>
+                      <a:r>
+                        <a:rPr lang="en-US" sz="1800" kern="1200" dirty="0">
+                          <a:effectLst/>
+                        </a:rPr>
+                        <a:t>0.9113</a:t>
+                      </a:r>
+                      <a:endParaRPr lang="en-US" dirty="0"/>
+                    </a:p>
+                  </a:txBody>
+                  <a:tcPr/>
+                </a:tc>
+                <a:tc>
+                  <a:txBody>
+                    <a:bodyPr/>
+                    <a:lstStyle/>
+                    <a:p>
+                      <a:r>
+                        <a:rPr lang="en-US" sz="1800" kern="1200" dirty="0">
+                          <a:effectLst/>
+                        </a:rPr>
+                        <a:t>0.9132</a:t>
+                      </a:r>
+                      <a:endParaRPr lang="en-US" dirty="0"/>
+                    </a:p>
+                  </a:txBody>
+                  <a:tcPr/>
+                </a:tc>
+                <a:tc>
+                  <a:txBody>
+                    <a:bodyPr/>
+                    <a:lstStyle/>
+                    <a:p>
+                      <a:r>
+                        <a:rPr lang="en-US" sz="1800" kern="1200" dirty="0">
+                          <a:effectLst/>
+                        </a:rPr>
+                        <a:t>0.9102</a:t>
+                      </a:r>
+                      <a:endParaRPr lang="en-US" dirty="0"/>
+                    </a:p>
+                  </a:txBody>
+                  <a:tcPr/>
+                </a:tc>
+                <a:tc>
+                  <a:txBody>
+                    <a:bodyPr/>
+                    <a:lstStyle/>
+                    <a:p>
+                      <a:r>
+                        <a:rPr lang="en-US" sz="1800" kern="1200" dirty="0">
+                          <a:effectLst/>
+                        </a:rPr>
+                        <a:t>0.9135</a:t>
+                      </a:r>
+                      <a:endParaRPr lang="en-US" dirty="0"/>
+                    </a:p>
+                  </a:txBody>
+                  <a:tcPr/>
+                </a:tc>
+                <a:tc>
+                  <a:txBody>
+                    <a:bodyPr/>
+                    <a:lstStyle/>
+                    <a:p>
+                      <a:r>
+                        <a:rPr lang="en-US" sz="1800" kern="1200" dirty="0">
+                          <a:effectLst/>
+                        </a:rPr>
+                        <a:t>0.9121</a:t>
+                      </a:r>
+                      <a:endParaRPr lang="en-US" dirty="0"/>
+                    </a:p>
+                  </a:txBody>
+                  <a:tcPr/>
+                </a:tc>
+                <a:extLst>
+                  <a:ext uri="{0D108BD9-81ED-4DB2-BD59-A6C34878D82A}">
+                    <a16:rowId xmlns:a16="http://schemas.microsoft.com/office/drawing/2014/main" val="10005"/>
+                  </a:ext>
+                </a:extLst>
+              </a:tr>
+              <a:tr h="478163">
+                <a:tc>
+                  <a:txBody>
+                    <a:bodyPr/>
+                    <a:lstStyle/>
+                    <a:p>
+                      <a:pPr marL="0" marR="0" lvl="0" indent="0" algn="l" defTabSz="914400" rtl="0" eaLnBrk="1" fontAlgn="auto" latinLnBrk="0" hangingPunct="1">
+                        <a:lnSpc>
+                          <a:spcPct val="100000"/>
+                        </a:lnSpc>
+                        <a:spcBef>
+                          <a:spcPts val="0"/>
+                        </a:spcBef>
+                        <a:spcAft>
+                          <a:spcPts val="0"/>
+                        </a:spcAft>
+                        <a:buClrTx/>
+                        <a:buSzTx/>
+                        <a:buFontTx/>
+                        <a:buNone/>
+                        <a:tabLst/>
+                        <a:defRPr/>
+                      </a:pPr>
+                      <a:r>
+                        <a:rPr lang="en-US" dirty="0" err="1"/>
+                        <a:t>i</a:t>
+                      </a:r>
+                      <a:r>
+                        <a:rPr lang="en-US" dirty="0"/>
+                        <a:t>=10,000,000</a:t>
+                      </a:r>
+                    </a:p>
+                  </a:txBody>
+                  <a:tcPr/>
+                </a:tc>
+                <a:tc>
+                  <a:txBody>
+                    <a:bodyPr/>
+                    <a:lstStyle/>
+                    <a:p>
+                      <a:r>
+                        <a:rPr lang="en-US" dirty="0"/>
+                        <a:t>0.9119</a:t>
+                      </a:r>
+                    </a:p>
+                  </a:txBody>
+                  <a:tcPr/>
+                </a:tc>
+                <a:tc>
+                  <a:txBody>
+                    <a:bodyPr/>
+                    <a:lstStyle/>
+                    <a:p>
+                      <a:r>
+                        <a:rPr lang="en-US" sz="1800" b="0" i="0" kern="1200" dirty="0">
+                          <a:solidFill>
+                            <a:schemeClr val="dk1"/>
+                          </a:solidFill>
+                          <a:effectLst/>
+                          <a:latin typeface="+mn-lt"/>
+                          <a:ea typeface="+mn-ea"/>
+                          <a:cs typeface="+mn-cs"/>
+                        </a:rPr>
+                        <a:t>0.9088</a:t>
+                      </a:r>
+                      <a:endParaRPr lang="en-US" dirty="0"/>
+                    </a:p>
+                  </a:txBody>
+                  <a:tcPr/>
+                </a:tc>
+                <a:tc>
+                  <a:txBody>
+                    <a:bodyPr/>
+                    <a:lstStyle/>
+                    <a:p>
+                      <a:r>
+                        <a:rPr lang="en-US" sz="1800" b="0" i="0" kern="1200" dirty="0">
+                          <a:solidFill>
+                            <a:schemeClr val="dk1"/>
+                          </a:solidFill>
+                          <a:effectLst/>
+                          <a:latin typeface="+mn-lt"/>
+                          <a:ea typeface="+mn-ea"/>
+                          <a:cs typeface="+mn-cs"/>
+                        </a:rPr>
+                        <a:t>0.9132</a:t>
+                      </a:r>
+                      <a:endParaRPr lang="en-US" dirty="0"/>
+                    </a:p>
+                  </a:txBody>
+                  <a:tcPr/>
+                </a:tc>
+                <a:tc>
+                  <a:txBody>
+                    <a:bodyPr/>
+                    <a:lstStyle/>
+                    <a:p>
+                      <a:r>
+                        <a:rPr lang="en-US" sz="1800" b="0" i="0" kern="1200" dirty="0">
+                          <a:solidFill>
+                            <a:schemeClr val="dk1"/>
+                          </a:solidFill>
+                          <a:effectLst/>
+                          <a:latin typeface="+mn-lt"/>
+                          <a:ea typeface="+mn-ea"/>
+                          <a:cs typeface="+mn-cs"/>
+                        </a:rPr>
+                        <a:t>0.9119</a:t>
+                      </a:r>
+                      <a:endParaRPr lang="en-US" dirty="0"/>
+                    </a:p>
+                  </a:txBody>
+                  <a:tcPr/>
+                </a:tc>
+                <a:tc>
+                  <a:txBody>
+                    <a:bodyPr/>
+                    <a:lstStyle/>
+                    <a:p>
+                      <a:r>
+                        <a:rPr lang="en-US" sz="1800" b="0" i="0" kern="1200" dirty="0">
+                          <a:solidFill>
+                            <a:schemeClr val="dk1"/>
+                          </a:solidFill>
+                          <a:effectLst/>
+                          <a:latin typeface="+mn-lt"/>
+                          <a:ea typeface="+mn-ea"/>
+                          <a:cs typeface="+mn-cs"/>
+                        </a:rPr>
+                        <a:t>0.9105</a:t>
+                      </a:r>
+                      <a:endParaRPr lang="en-US" dirty="0"/>
+                    </a:p>
+                  </a:txBody>
+                  <a:tcPr/>
+                </a:tc>
+                <a:tc>
+                  <a:txBody>
+                    <a:bodyPr/>
+                    <a:lstStyle/>
+                    <a:p>
+                      <a:r>
+                        <a:rPr lang="en-US" sz="1800" b="0" i="0" kern="1200" dirty="0">
+                          <a:solidFill>
+                            <a:schemeClr val="dk1"/>
+                          </a:solidFill>
+                          <a:effectLst/>
+                          <a:latin typeface="+mn-lt"/>
+                          <a:ea typeface="+mn-ea"/>
+                          <a:cs typeface="+mn-cs"/>
+                        </a:rPr>
+                        <a:t>0.9113</a:t>
+                      </a:r>
+                      <a:endParaRPr lang="en-US" dirty="0"/>
+                    </a:p>
+                  </a:txBody>
+                  <a:tcPr/>
+                </a:tc>
+                <a:tc>
+                  <a:txBody>
+                    <a:bodyPr/>
+                    <a:lstStyle/>
+                    <a:p>
+                      <a:r>
+                        <a:rPr lang="en-US" sz="1800" b="0" i="0" kern="1200" dirty="0">
+                          <a:solidFill>
+                            <a:schemeClr val="dk1"/>
+                          </a:solidFill>
+                          <a:effectLst/>
+                          <a:latin typeface="+mn-lt"/>
+                          <a:ea typeface="+mn-ea"/>
+                          <a:cs typeface="+mn-cs"/>
+                        </a:rPr>
+                        <a:t>0.9133</a:t>
+                      </a:r>
+                      <a:endParaRPr lang="en-US" dirty="0"/>
+                    </a:p>
+                  </a:txBody>
+                  <a:tcPr/>
+                </a:tc>
+                <a:tc>
+                  <a:txBody>
+                    <a:bodyPr/>
+                    <a:lstStyle/>
+                    <a:p>
+                      <a:r>
+                        <a:rPr lang="en-US" sz="1800" b="0" i="0" kern="1200" dirty="0">
+                          <a:solidFill>
+                            <a:schemeClr val="dk1"/>
+                          </a:solidFill>
+                          <a:effectLst/>
+                          <a:latin typeface="+mn-lt"/>
+                          <a:ea typeface="+mn-ea"/>
+                          <a:cs typeface="+mn-cs"/>
+                        </a:rPr>
+                        <a:t>0.9103</a:t>
+                      </a:r>
+                      <a:endParaRPr lang="en-US" dirty="0"/>
+                    </a:p>
+                  </a:txBody>
+                  <a:tcPr/>
+                </a:tc>
+                <a:tc>
+                  <a:txBody>
+                    <a:bodyPr/>
+                    <a:lstStyle/>
+                    <a:p>
+                      <a:r>
+                        <a:rPr lang="en-US" sz="1800" b="0" i="0" kern="1200" dirty="0">
+                          <a:solidFill>
+                            <a:schemeClr val="dk1"/>
+                          </a:solidFill>
+                          <a:effectLst/>
+                          <a:latin typeface="+mn-lt"/>
+                          <a:ea typeface="+mn-ea"/>
+                          <a:cs typeface="+mn-cs"/>
+                        </a:rPr>
+                        <a:t>0.9136</a:t>
+                      </a:r>
+                      <a:endParaRPr lang="en-US" dirty="0"/>
+                    </a:p>
+                  </a:txBody>
+                  <a:tcPr/>
+                </a:tc>
+                <a:tc>
+                  <a:txBody>
+                    <a:bodyPr/>
+                    <a:lstStyle/>
+                    <a:p>
+                      <a:r>
+                        <a:rPr lang="en-US" sz="1800" b="0" i="0" kern="1200" dirty="0">
+                          <a:solidFill>
+                            <a:schemeClr val="dk1"/>
+                          </a:solidFill>
+                          <a:effectLst/>
+                          <a:latin typeface="+mn-lt"/>
+                          <a:ea typeface="+mn-ea"/>
+                          <a:cs typeface="+mn-cs"/>
+                        </a:rPr>
+                        <a:t>0.9121</a:t>
+                      </a:r>
+                      <a:endParaRPr lang="en-US" dirty="0"/>
+                    </a:p>
+                  </a:txBody>
+                  <a:tcPr/>
+                </a:tc>
+                <a:extLst>
+                  <a:ext uri="{0D108BD9-81ED-4DB2-BD59-A6C34878D82A}">
+                    <a16:rowId xmlns:a16="http://schemas.microsoft.com/office/drawing/2014/main" val="2406840892"/>
+                  </a:ext>
+                </a:extLst>
+              </a:tr>
+            </a:tbl>
+          </a:graphicData>
+        </a:graphic>
+      </p:graphicFrame>
+    </p:spTree>
+    <p:extLst>
+      <p:ext uri="{BB962C8B-B14F-4D97-AF65-F5344CB8AC3E}">
+        <p14:creationId xmlns:p14="http://schemas.microsoft.com/office/powerpoint/2010/main" val="2633392116"/>
+      </p:ext>
+    </p:extLst>
+  </p:cSld>
+  <p:clrMapOvr>
+    <a:masterClrMapping/>
+  </p:clrMapOvr>
+</p:sld>
+</file>
+
+<file path=ppt/slides/slide21.xml><?xml version="1.0" encoding="utf-8"?>
+<p:sld xmlns:a="http://schemas.openxmlformats.org/drawingml/2006/main" xmlns:r="http://schemas.openxmlformats.org/officeDocument/2006/relationships" xmlns:p="http://schemas.openxmlformats.org/presentationml/2006/main">
+  <p:cSld>
+    <p:spTree>
+      <p:nvGrpSpPr>
+        <p:cNvPr id="1" name=""/>
+        <p:cNvGrpSpPr/>
+        <p:nvPr/>
+      </p:nvGrpSpPr>
+      <p:grpSpPr>
+        <a:xfrm>
+          <a:off x="0" y="0"/>
+          <a:ext cx="0" cy="0"/>
+          <a:chOff x="0" y="0"/>
+          <a:chExt cx="0" cy="0"/>
+        </a:xfrm>
+      </p:grpSpPr>
+      <p:sp>
+        <p:nvSpPr>
+          <p:cNvPr id="2" name="Title 1"/>
+          <p:cNvSpPr>
+            <a:spLocks noGrp="1"/>
+          </p:cNvSpPr>
+          <p:nvPr>
+            <p:ph type="title"/>
+          </p:nvPr>
+        </p:nvSpPr>
+        <p:spPr/>
+        <p:txBody>
+          <a:bodyPr/>
+          <a:lstStyle/>
+          <a:p>
+            <a:r>
+              <a:rPr lang="sr-Latn-BA" dirty="0"/>
               <a:t>Primer simulacije jedne igre</a:t>
             </a:r>
             <a:endParaRPr lang="en-US" dirty="0"/>
@@ -19165,7 +19393,7 @@
 </p:sld>
 </file>
 
-<file path=ppt/slides/slide21.xml><?xml version="1.0" encoding="utf-8"?>
+<file path=ppt/slides/slide22.xml><?xml version="1.0" encoding="utf-8"?>
 <p:sld xmlns:a="http://schemas.openxmlformats.org/drawingml/2006/main" xmlns:r="http://schemas.openxmlformats.org/officeDocument/2006/relationships" xmlns:p="http://schemas.openxmlformats.org/presentationml/2006/main">
   <p:cSld>
     <p:spTree>
@@ -19238,6 +19466,133 @@
 </file>
 
 <file path=ppt/slides/slide3.xml><?xml version="1.0" encoding="utf-8"?>
+<p:sld xmlns:a="http://schemas.openxmlformats.org/drawingml/2006/main" xmlns:r="http://schemas.openxmlformats.org/officeDocument/2006/relationships" xmlns:p="http://schemas.openxmlformats.org/presentationml/2006/main">
+  <p:cSld>
+    <p:spTree>
+      <p:nvGrpSpPr>
+        <p:cNvPr id="1" name=""/>
+        <p:cNvGrpSpPr/>
+        <p:nvPr/>
+      </p:nvGrpSpPr>
+      <p:grpSpPr>
+        <a:xfrm>
+          <a:off x="0" y="0"/>
+          <a:ext cx="0" cy="0"/>
+          <a:chOff x="0" y="0"/>
+          <a:chExt cx="0" cy="0"/>
+        </a:xfrm>
+      </p:grpSpPr>
+      <p:sp>
+        <p:nvSpPr>
+          <p:cNvPr id="2" name="Title 1">
+            <a:extLst>
+              <a:ext uri="{FF2B5EF4-FFF2-40B4-BE49-F238E27FC236}">
+                <a16:creationId xmlns:a16="http://schemas.microsoft.com/office/drawing/2014/main" id="{1234B432-9701-4570-B58F-6E9FED159A5C}"/>
+              </a:ext>
+            </a:extLst>
+          </p:cNvPr>
+          <p:cNvSpPr>
+            <a:spLocks noGrp="1"/>
+          </p:cNvSpPr>
+          <p:nvPr>
+            <p:ph type="title"/>
+          </p:nvPr>
+        </p:nvSpPr>
+        <p:spPr/>
+        <p:txBody>
+          <a:bodyPr/>
+          <a:lstStyle/>
+          <a:p>
+            <a:endParaRPr lang="en-US"/>
+          </a:p>
+        </p:txBody>
+      </p:sp>
+      <p:sp>
+        <p:nvSpPr>
+          <p:cNvPr id="3" name="Content Placeholder 2">
+            <a:extLst>
+              <a:ext uri="{FF2B5EF4-FFF2-40B4-BE49-F238E27FC236}">
+                <a16:creationId xmlns:a16="http://schemas.microsoft.com/office/drawing/2014/main" id="{7D995B39-65C4-408C-AAA1-5A1BA6106D2E}"/>
+              </a:ext>
+            </a:extLst>
+          </p:cNvPr>
+          <p:cNvSpPr>
+            <a:spLocks noGrp="1"/>
+          </p:cNvSpPr>
+          <p:nvPr>
+            <p:ph idx="1"/>
+          </p:nvPr>
+        </p:nvSpPr>
+        <p:spPr/>
+        <p:txBody>
+          <a:bodyPr/>
+          <a:lstStyle/>
+          <a:p>
+            <a:endParaRPr lang="en-US"/>
+          </a:p>
+        </p:txBody>
+      </p:sp>
+      <p:pic>
+        <p:nvPicPr>
+          <p:cNvPr id="2050" name="Picture 2" descr="Image">
+            <a:extLst>
+              <a:ext uri="{FF2B5EF4-FFF2-40B4-BE49-F238E27FC236}">
+                <a16:creationId xmlns:a16="http://schemas.microsoft.com/office/drawing/2014/main" id="{095E930E-A5BC-48AE-A81D-101A8E44425A}"/>
+              </a:ext>
+            </a:extLst>
+          </p:cNvPr>
+          <p:cNvPicPr>
+            <a:picLocks noChangeAspect="1" noChangeArrowheads="1"/>
+          </p:cNvPicPr>
+          <p:nvPr/>
+        </p:nvPicPr>
+        <p:blipFill>
+          <a:blip r:embed="rId2">
+            <a:extLst>
+              <a:ext uri="{28A0092B-C50C-407E-A947-70E740481C1C}">
+                <a14:useLocalDpi xmlns:a14="http://schemas.microsoft.com/office/drawing/2010/main" val="0"/>
+              </a:ext>
+            </a:extLst>
+          </a:blip>
+          <a:srcRect/>
+          <a:stretch>
+            <a:fillRect/>
+          </a:stretch>
+        </p:blipFill>
+        <p:spPr bwMode="auto">
+          <a:xfrm>
+            <a:off x="942975" y="752475"/>
+            <a:ext cx="10306050" cy="5353050"/>
+          </a:xfrm>
+          <a:prstGeom prst="rect">
+            <a:avLst/>
+          </a:prstGeom>
+          <a:noFill/>
+          <a:extLst>
+            <a:ext uri="{909E8E84-426E-40DD-AFC4-6F175D3DCCD1}">
+              <a14:hiddenFill xmlns:a14="http://schemas.microsoft.com/office/drawing/2010/main">
+                <a:solidFill>
+                  <a:srgbClr val="FFFFFF"/>
+                </a:solidFill>
+              </a14:hiddenFill>
+            </a:ext>
+          </a:extLst>
+        </p:spPr>
+      </p:pic>
+    </p:spTree>
+    <p:extLst>
+      <p:ext uri="{BB962C8B-B14F-4D97-AF65-F5344CB8AC3E}">
+        <p14:creationId xmlns:p14="http://schemas.microsoft.com/office/powerpoint/2010/main" val="547708978"/>
+      </p:ext>
+    </p:extLst>
+  </p:cSld>
+  <p:clrMapOvr>
+    <a:masterClrMapping/>
+  </p:clrMapOvr>
+</p:sld>
+</file>
+
+<file path=ppt/slides/slide4.xml><?xml version="1.0" encoding="utf-8"?>
 <p:sld xmlns:a="http://schemas.openxmlformats.org/drawingml/2006/main" xmlns:r="http://schemas.openxmlformats.org/officeDocument/2006/relationships" xmlns:p="http://schemas.openxmlformats.org/presentationml/2006/main">
   <p:cSld>
     <p:spTree>
@@ -19409,7 +19764,7 @@
 </p:sld>
 </file>
 
-<file path=ppt/slides/slide4.xml><?xml version="1.0" encoding="utf-8"?>
+<file path=ppt/slides/slide5.xml><?xml version="1.0" encoding="utf-8"?>
 <p:sld xmlns:a="http://schemas.openxmlformats.org/drawingml/2006/main" xmlns:r="http://schemas.openxmlformats.org/officeDocument/2006/relationships" xmlns:p="http://schemas.openxmlformats.org/presentationml/2006/main">
   <p:cSld>
     <p:spTree>
@@ -20403,7 +20758,7 @@
 </p:sld>
 </file>
 
-<file path=ppt/slides/slide5.xml><?xml version="1.0" encoding="utf-8"?>
+<file path=ppt/slides/slide6.xml><?xml version="1.0" encoding="utf-8"?>
 <p:sld xmlns:a="http://schemas.openxmlformats.org/drawingml/2006/main" xmlns:r="http://schemas.openxmlformats.org/officeDocument/2006/relationships" xmlns:p="http://schemas.openxmlformats.org/presentationml/2006/main">
   <p:cSld>
     <p:spTree>
@@ -21807,7 +22162,7 @@
 </p:sld>
 </file>
 
-<file path=ppt/slides/slide6.xml><?xml version="1.0" encoding="utf-8"?>
+<file path=ppt/slides/slide7.xml><?xml version="1.0" encoding="utf-8"?>
 <p:sld xmlns:a="http://schemas.openxmlformats.org/drawingml/2006/main" xmlns:r="http://schemas.openxmlformats.org/officeDocument/2006/relationships" xmlns:p="http://schemas.openxmlformats.org/presentationml/2006/main">
   <p:cSld>
     <p:spTree>
@@ -23229,7 +23584,7 @@
 </p:sld>
 </file>
 
-<file path=ppt/slides/slide7.xml><?xml version="1.0" encoding="utf-8"?>
+<file path=ppt/slides/slide8.xml><?xml version="1.0" encoding="utf-8"?>
 <p:sld xmlns:a="http://schemas.openxmlformats.org/drawingml/2006/main" xmlns:r="http://schemas.openxmlformats.org/officeDocument/2006/relationships" xmlns:p="http://schemas.openxmlformats.org/presentationml/2006/main">
   <p:cSld>
     <p:spTree>
@@ -23437,7 +23792,7 @@
 </p:sld>
 </file>
 
-<file path=ppt/slides/slide8.xml><?xml version="1.0" encoding="utf-8"?>
+<file path=ppt/slides/slide9.xml><?xml version="1.0" encoding="utf-8"?>
 <p:sld xmlns:a="http://schemas.openxmlformats.org/drawingml/2006/main" xmlns:r="http://schemas.openxmlformats.org/officeDocument/2006/relationships" xmlns:p="http://schemas.openxmlformats.org/presentationml/2006/main">
   <p:cSld>
     <p:spTree>
@@ -23636,155 +23991,6 @@
     <p:extLst>
       <p:ext uri="{BB962C8B-B14F-4D97-AF65-F5344CB8AC3E}">
         <p14:creationId xmlns:p14="http://schemas.microsoft.com/office/powerpoint/2010/main" val="3708575987"/>
-      </p:ext>
-    </p:extLst>
-  </p:cSld>
-  <p:clrMapOvr>
-    <a:masterClrMapping/>
-  </p:clrMapOvr>
-</p:sld>
-</file>
-
-<file path=ppt/slides/slide9.xml><?xml version="1.0" encoding="utf-8"?>
-<p:sld xmlns:a="http://schemas.openxmlformats.org/drawingml/2006/main" xmlns:r="http://schemas.openxmlformats.org/officeDocument/2006/relationships" xmlns:p="http://schemas.openxmlformats.org/presentationml/2006/main">
-  <p:cSld>
-    <p:spTree>
-      <p:nvGrpSpPr>
-        <p:cNvPr id="1" name=""/>
-        <p:cNvGrpSpPr/>
-        <p:nvPr/>
-      </p:nvGrpSpPr>
-      <p:grpSpPr>
-        <a:xfrm>
-          <a:off x="0" y="0"/>
-          <a:ext cx="0" cy="0"/>
-          <a:chOff x="0" y="0"/>
-          <a:chExt cx="0" cy="0"/>
-        </a:xfrm>
-      </p:grpSpPr>
-      <p:sp>
-        <p:nvSpPr>
-          <p:cNvPr id="2" name="Title 1"/>
-          <p:cNvSpPr>
-            <a:spLocks noGrp="1"/>
-          </p:cNvSpPr>
-          <p:nvPr>
-            <p:ph type="title"/>
-          </p:nvPr>
-        </p:nvSpPr>
-        <p:spPr/>
-        <p:txBody>
-          <a:bodyPr/>
-          <a:lstStyle/>
-          <a:p>
-            <a:r>
-              <a:rPr lang="sr-Latn-BA" dirty="0">
-                <a:ln>
-                  <a:solidFill>
-                    <a:schemeClr val="tx1"/>
-                  </a:solidFill>
-                </a:ln>
-                <a:solidFill>
-                  <a:srgbClr val="7030A0"/>
-                </a:solidFill>
-                <a:effectLst>
-                  <a:glow rad="139700">
-                    <a:schemeClr val="accent3">
-                      <a:satMod val="175000"/>
-                      <a:alpha val="40000"/>
-                    </a:schemeClr>
-                  </a:glow>
-                </a:effectLst>
-              </a:rPr>
-              <a:t>Osnovni simboli</a:t>
-            </a:r>
-            <a:r>
-              <a:rPr lang="en-US" dirty="0">
-                <a:ln>
-                  <a:solidFill>
-                    <a:schemeClr val="tx1"/>
-                  </a:solidFill>
-                </a:ln>
-                <a:solidFill>
-                  <a:srgbClr val="7030A0"/>
-                </a:solidFill>
-                <a:effectLst>
-                  <a:glow rad="139700">
-                    <a:schemeClr val="accent3">
-                      <a:satMod val="175000"/>
-                      <a:alpha val="40000"/>
-                    </a:schemeClr>
-                  </a:glow>
-                </a:effectLst>
-              </a:rPr>
-              <a:t> – id:1-5</a:t>
-            </a:r>
-          </a:p>
-        </p:txBody>
-      </p:sp>
-      <p:pic>
-        <p:nvPicPr>
-          <p:cNvPr id="4" name="Picture 3"/>
-          <p:cNvPicPr>
-            <a:picLocks noChangeAspect="1"/>
-          </p:cNvPicPr>
-          <p:nvPr/>
-        </p:nvPicPr>
-        <p:blipFill>
-          <a:blip r:embed="rId2">
-            <a:extLst>
-              <a:ext uri="{28A0092B-C50C-407E-A947-70E740481C1C}">
-                <a14:useLocalDpi xmlns:a14="http://schemas.microsoft.com/office/drawing/2010/main" val="0"/>
-              </a:ext>
-            </a:extLst>
-          </a:blip>
-          <a:stretch>
-            <a:fillRect/>
-          </a:stretch>
-        </p:blipFill>
-        <p:spPr>
-          <a:xfrm>
-            <a:off x="616635" y="1854312"/>
-            <a:ext cx="2412698" cy="2412698"/>
-          </a:xfrm>
-          <a:prstGeom prst="rect">
-            <a:avLst/>
-          </a:prstGeom>
-        </p:spPr>
-      </p:pic>
-      <p:sp>
-        <p:nvSpPr>
-          <p:cNvPr id="6" name="TextBox 5"/>
-          <p:cNvSpPr txBox="1"/>
-          <p:nvPr/>
-        </p:nvSpPr>
-        <p:spPr>
-          <a:xfrm>
-            <a:off x="5005797" y="2768273"/>
-            <a:ext cx="2276585" cy="584775"/>
-          </a:xfrm>
-          <a:prstGeom prst="rect">
-            <a:avLst/>
-          </a:prstGeom>
-          <a:noFill/>
-        </p:spPr>
-        <p:txBody>
-          <a:bodyPr wrap="none" rtlCol="0">
-            <a:spAutoFit/>
-          </a:bodyPr>
-          <a:lstStyle/>
-          <a:p>
-            <a:r>
-              <a:rPr lang="en-US" sz="3200" dirty="0"/>
-              <a:t>ID 5 : Cookie</a:t>
-            </a:r>
-          </a:p>
-        </p:txBody>
-      </p:sp>
-    </p:spTree>
-    <p:extLst>
-      <p:ext uri="{BB962C8B-B14F-4D97-AF65-F5344CB8AC3E}">
-        <p14:creationId xmlns:p14="http://schemas.microsoft.com/office/powerpoint/2010/main" val="3429246440"/>
       </p:ext>
     </p:extLst>
   </p:cSld>
